--- a/slides/10-counting-pt2.pptx
+++ b/slides/10-counting-pt2.pptx
@@ -5,27 +5,28 @@
     <p:sldMasterId id="2147483852" r:id="rId1"/>
   </p:sldMasterIdLst>
   <p:notesMasterIdLst>
-    <p:notesMasterId r:id="rId20"/>
+    <p:notesMasterId r:id="rId21"/>
   </p:notesMasterIdLst>
   <p:sldIdLst>
     <p:sldId id="256" r:id="rId2"/>
-    <p:sldId id="257" r:id="rId3"/>
-    <p:sldId id="359" r:id="rId4"/>
-    <p:sldId id="360" r:id="rId5"/>
-    <p:sldId id="361" r:id="rId6"/>
-    <p:sldId id="362" r:id="rId7"/>
-    <p:sldId id="363" r:id="rId8"/>
-    <p:sldId id="364" r:id="rId9"/>
-    <p:sldId id="365" r:id="rId10"/>
-    <p:sldId id="366" r:id="rId11"/>
-    <p:sldId id="367" r:id="rId12"/>
-    <p:sldId id="368" r:id="rId13"/>
-    <p:sldId id="369" r:id="rId14"/>
-    <p:sldId id="370" r:id="rId15"/>
-    <p:sldId id="371" r:id="rId16"/>
-    <p:sldId id="373" r:id="rId17"/>
-    <p:sldId id="374" r:id="rId18"/>
-    <p:sldId id="375" r:id="rId19"/>
+    <p:sldId id="335" r:id="rId3"/>
+    <p:sldId id="257" r:id="rId4"/>
+    <p:sldId id="359" r:id="rId5"/>
+    <p:sldId id="360" r:id="rId6"/>
+    <p:sldId id="361" r:id="rId7"/>
+    <p:sldId id="362" r:id="rId8"/>
+    <p:sldId id="363" r:id="rId9"/>
+    <p:sldId id="364" r:id="rId10"/>
+    <p:sldId id="365" r:id="rId11"/>
+    <p:sldId id="366" r:id="rId12"/>
+    <p:sldId id="367" r:id="rId13"/>
+    <p:sldId id="368" r:id="rId14"/>
+    <p:sldId id="369" r:id="rId15"/>
+    <p:sldId id="370" r:id="rId16"/>
+    <p:sldId id="371" r:id="rId17"/>
+    <p:sldId id="373" r:id="rId18"/>
+    <p:sldId id="374" r:id="rId19"/>
+    <p:sldId id="375" r:id="rId20"/>
   </p:sldIdLst>
   <p:sldSz cx="12192000" cy="6858000"/>
   <p:notesSz cx="6858000" cy="9144000"/>
@@ -214,7 +215,7 @@
           <a:p>
             <a:fld id="{3CBB8A52-8AC5-C74C-97FB-632C448F3674}" type="datetimeFigureOut">
               <a:rPr lang="en-US" smtClean="0"/>
-              <a:t>2/28/24</a:t>
+              <a:t>2/29/24</a:t>
             </a:fld>
             <a:endParaRPr lang="en-US"/>
           </a:p>
@@ -573,7 +574,7 @@
           <a:p>
             <a:fld id="{77F12483-E947-6F4E-A75E-B2E677827779}" type="slidenum">
               <a:rPr lang="en-US" smtClean="0"/>
-              <a:t>3</a:t>
+              <a:t>4</a:t>
             </a:fld>
             <a:endParaRPr lang="en-US"/>
           </a:p>
@@ -762,7 +763,7 @@
           <a:p>
             <a:fld id="{77F12483-E947-6F4E-A75E-B2E677827779}" type="slidenum">
               <a:rPr lang="en-US" smtClean="0"/>
-              <a:t>12</a:t>
+              <a:t>13</a:t>
             </a:fld>
             <a:endParaRPr lang="en-US"/>
           </a:p>
@@ -951,7 +952,7 @@
           <a:p>
             <a:fld id="{77F12483-E947-6F4E-A75E-B2E677827779}" type="slidenum">
               <a:rPr lang="en-US" smtClean="0"/>
-              <a:t>13</a:t>
+              <a:t>14</a:t>
             </a:fld>
             <a:endParaRPr lang="en-US"/>
           </a:p>
@@ -1141,7 +1142,7 @@
           <a:p>
             <a:fld id="{77F12483-E947-6F4E-A75E-B2E677827779}" type="slidenum">
               <a:rPr lang="en-US" smtClean="0"/>
-              <a:t>14</a:t>
+              <a:t>15</a:t>
             </a:fld>
             <a:endParaRPr lang="en-US"/>
           </a:p>
@@ -1252,7 +1253,7 @@
           <a:p>
             <a:fld id="{77F12483-E947-6F4E-A75E-B2E677827779}" type="slidenum">
               <a:rPr lang="en-US" smtClean="0"/>
-              <a:t>15</a:t>
+              <a:t>16</a:t>
             </a:fld>
             <a:endParaRPr lang="en-US"/>
           </a:p>
@@ -1363,7 +1364,7 @@
           <a:p>
             <a:fld id="{77F12483-E947-6F4E-A75E-B2E677827779}" type="slidenum">
               <a:rPr lang="en-US" smtClean="0"/>
-              <a:t>16</a:t>
+              <a:t>17</a:t>
             </a:fld>
             <a:endParaRPr lang="en-US"/>
           </a:p>
@@ -1477,7 +1478,7 @@
           <a:p>
             <a:fld id="{77F12483-E947-6F4E-A75E-B2E677827779}" type="slidenum">
               <a:rPr lang="en-US" smtClean="0"/>
-              <a:t>17</a:t>
+              <a:t>18</a:t>
             </a:fld>
             <a:endParaRPr lang="en-US"/>
           </a:p>
@@ -1591,7 +1592,7 @@
           <a:p>
             <a:fld id="{77F12483-E947-6F4E-A75E-B2E677827779}" type="slidenum">
               <a:rPr lang="en-US" smtClean="0"/>
-              <a:t>18</a:t>
+              <a:t>19</a:t>
             </a:fld>
             <a:endParaRPr lang="en-US"/>
           </a:p>
@@ -1702,7 +1703,7 @@
           <a:p>
             <a:fld id="{77F12483-E947-6F4E-A75E-B2E677827779}" type="slidenum">
               <a:rPr lang="en-US" smtClean="0"/>
-              <a:t>4</a:t>
+              <a:t>5</a:t>
             </a:fld>
             <a:endParaRPr lang="en-US"/>
           </a:p>
@@ -1813,7 +1814,7 @@
           <a:p>
             <a:fld id="{77F12483-E947-6F4E-A75E-B2E677827779}" type="slidenum">
               <a:rPr lang="en-US" smtClean="0"/>
-              <a:t>5</a:t>
+              <a:t>6</a:t>
             </a:fld>
             <a:endParaRPr lang="en-US"/>
           </a:p>
@@ -1924,7 +1925,7 @@
           <a:p>
             <a:fld id="{77F12483-E947-6F4E-A75E-B2E677827779}" type="slidenum">
               <a:rPr lang="en-US" smtClean="0"/>
-              <a:t>6</a:t>
+              <a:t>7</a:t>
             </a:fld>
             <a:endParaRPr lang="en-US"/>
           </a:p>
@@ -2035,7 +2036,7 @@
           <a:p>
             <a:fld id="{77F12483-E947-6F4E-A75E-B2E677827779}" type="slidenum">
               <a:rPr lang="en-US" smtClean="0"/>
-              <a:t>7</a:t>
+              <a:t>8</a:t>
             </a:fld>
             <a:endParaRPr lang="en-US"/>
           </a:p>
@@ -2146,7 +2147,7 @@
           <a:p>
             <a:fld id="{77F12483-E947-6F4E-A75E-B2E677827779}" type="slidenum">
               <a:rPr lang="en-US" smtClean="0"/>
-              <a:t>8</a:t>
+              <a:t>9</a:t>
             </a:fld>
             <a:endParaRPr lang="en-US"/>
           </a:p>
@@ -2257,7 +2258,7 @@
           <a:p>
             <a:fld id="{77F12483-E947-6F4E-A75E-B2E677827779}" type="slidenum">
               <a:rPr lang="en-US" smtClean="0"/>
-              <a:t>9</a:t>
+              <a:t>10</a:t>
             </a:fld>
             <a:endParaRPr lang="en-US"/>
           </a:p>
@@ -2473,7 +2474,7 @@
           <a:p>
             <a:fld id="{77F12483-E947-6F4E-A75E-B2E677827779}" type="slidenum">
               <a:rPr lang="en-US" smtClean="0"/>
-              <a:t>10</a:t>
+              <a:t>11</a:t>
             </a:fld>
             <a:endParaRPr lang="en-US"/>
           </a:p>
@@ -2643,7 +2644,7 @@
           <a:p>
             <a:fld id="{77F12483-E947-6F4E-A75E-B2E677827779}" type="slidenum">
               <a:rPr lang="en-US" smtClean="0"/>
-              <a:t>11</a:t>
+              <a:t>12</a:t>
             </a:fld>
             <a:endParaRPr lang="en-US"/>
           </a:p>
@@ -2887,7 +2888,7 @@
             <a:fld id="{5586B75A-687E-405C-8A0B-8D00578BA2C3}" type="datetimeFigureOut">
               <a:rPr lang="en-US" smtClean="0"/>
               <a:pPr/>
-              <a:t>2/28/24</a:t>
+              <a:t>2/29/24</a:t>
             </a:fld>
             <a:endParaRPr lang="en-US" dirty="0"/>
           </a:p>
@@ -3059,7 +3060,7 @@
             <a:fld id="{5586B75A-687E-405C-8A0B-8D00578BA2C3}" type="datetimeFigureOut">
               <a:rPr lang="en-US" smtClean="0"/>
               <a:pPr/>
-              <a:t>2/28/24</a:t>
+              <a:t>2/29/24</a:t>
             </a:fld>
             <a:endParaRPr lang="en-US" dirty="0"/>
           </a:p>
@@ -3241,7 +3242,7 @@
             <a:fld id="{5586B75A-687E-405C-8A0B-8D00578BA2C3}" type="datetimeFigureOut">
               <a:rPr lang="en-US" smtClean="0"/>
               <a:pPr/>
-              <a:t>2/28/24</a:t>
+              <a:t>2/29/24</a:t>
             </a:fld>
             <a:endParaRPr lang="en-US" dirty="0"/>
           </a:p>
@@ -3413,7 +3414,7 @@
             <a:fld id="{5586B75A-687E-405C-8A0B-8D00578BA2C3}" type="datetimeFigureOut">
               <a:rPr lang="en-US" smtClean="0"/>
               <a:pPr/>
-              <a:t>2/28/24</a:t>
+              <a:t>2/29/24</a:t>
             </a:fld>
             <a:endParaRPr lang="en-US" dirty="0"/>
           </a:p>
@@ -3669,7 +3670,7 @@
             <a:fld id="{5586B75A-687E-405C-8A0B-8D00578BA2C3}" type="datetimeFigureOut">
               <a:rPr lang="en-US" smtClean="0"/>
               <a:pPr/>
-              <a:t>2/28/24</a:t>
+              <a:t>2/29/24</a:t>
             </a:fld>
             <a:endParaRPr lang="en-US" dirty="0"/>
           </a:p>
@@ -3959,7 +3960,7 @@
             <a:fld id="{5586B75A-687E-405C-8A0B-8D00578BA2C3}" type="datetimeFigureOut">
               <a:rPr lang="en-US" smtClean="0"/>
               <a:pPr/>
-              <a:t>2/28/24</a:t>
+              <a:t>2/29/24</a:t>
             </a:fld>
             <a:endParaRPr lang="en-US" dirty="0"/>
           </a:p>
@@ -4403,7 +4404,7 @@
             <a:fld id="{5586B75A-687E-405C-8A0B-8D00578BA2C3}" type="datetimeFigureOut">
               <a:rPr lang="en-US" smtClean="0"/>
               <a:pPr/>
-              <a:t>2/28/24</a:t>
+              <a:t>2/29/24</a:t>
             </a:fld>
             <a:endParaRPr lang="en-US" dirty="0"/>
           </a:p>
@@ -4523,7 +4524,7 @@
             <a:fld id="{5586B75A-687E-405C-8A0B-8D00578BA2C3}" type="datetimeFigureOut">
               <a:rPr lang="en-US" smtClean="0"/>
               <a:pPr/>
-              <a:t>2/28/24</a:t>
+              <a:t>2/29/24</a:t>
             </a:fld>
             <a:endParaRPr lang="en-US" dirty="0"/>
           </a:p>
@@ -4620,7 +4621,7 @@
             <a:fld id="{5586B75A-687E-405C-8A0B-8D00578BA2C3}" type="datetimeFigureOut">
               <a:rPr lang="en-US" smtClean="0"/>
               <a:pPr/>
-              <a:t>2/28/24</a:t>
+              <a:t>2/29/24</a:t>
             </a:fld>
             <a:endParaRPr lang="en-US" dirty="0"/>
           </a:p>
@@ -4910,7 +4911,7 @@
             <a:fld id="{5586B75A-687E-405C-8A0B-8D00578BA2C3}" type="datetimeFigureOut">
               <a:rPr lang="en-US" smtClean="0"/>
               <a:pPr/>
-              <a:t>2/28/24</a:t>
+              <a:t>2/29/24</a:t>
             </a:fld>
             <a:endParaRPr lang="en-US" dirty="0"/>
           </a:p>
@@ -5185,7 +5186,7 @@
             <a:fld id="{5586B75A-687E-405C-8A0B-8D00578BA2C3}" type="datetimeFigureOut">
               <a:rPr lang="en-US" smtClean="0"/>
               <a:pPr/>
-              <a:t>2/28/24</a:t>
+              <a:t>2/29/24</a:t>
             </a:fld>
             <a:endParaRPr lang="en-US" dirty="0"/>
           </a:p>
@@ -5484,7 +5485,7 @@
             <a:fld id="{5586B75A-687E-405C-8A0B-8D00578BA2C3}" type="datetimeFigureOut">
               <a:rPr lang="en-US" smtClean="0"/>
               <a:pPr/>
-              <a:t>2/28/24</a:t>
+              <a:t>2/29/24</a:t>
             </a:fld>
             <a:endParaRPr lang="en-US" dirty="0"/>
           </a:p>
@@ -6095,8 +6096,8 @@
           </a:p>
         </p:txBody>
       </p:sp>
-      <mc:AlternateContent xmlns:mc="http://schemas.openxmlformats.org/markup-compatibility/2006">
-        <mc:Choice xmlns:a14="http://schemas.microsoft.com/office/drawing/2010/main" Requires="a14">
+      <mc:AlternateContent xmlns:mc="http://schemas.openxmlformats.org/markup-compatibility/2006" xmlns:a14="http://schemas.microsoft.com/office/drawing/2010/main">
+        <mc:Choice Requires="a14">
           <p:sp>
             <p:nvSpPr>
               <p:cNvPr id="6" name="Content Placeholder 2">
@@ -6348,7 +6349,7 @@
             </p:txBody>
           </p:sp>
         </mc:Choice>
-        <mc:Fallback>
+        <mc:Fallback xmlns="">
           <p:sp>
             <p:nvSpPr>
               <p:cNvPr id="6" name="Content Placeholder 2">
@@ -6392,8 +6393,369 @@
           </p:sp>
         </mc:Fallback>
       </mc:AlternateContent>
-      <mc:AlternateContent xmlns:mc="http://schemas.openxmlformats.org/markup-compatibility/2006">
-        <mc:Choice xmlns:a14="http://schemas.microsoft.com/office/drawing/2010/main" Requires="a14">
+    </p:spTree>
+    <p:extLst>
+      <p:ext uri="{BB962C8B-B14F-4D97-AF65-F5344CB8AC3E}">
+        <p14:creationId xmlns:p14="http://schemas.microsoft.com/office/powerpoint/2010/main" val="948062686"/>
+      </p:ext>
+    </p:extLst>
+  </p:cSld>
+  <p:clrMapOvr>
+    <a:masterClrMapping/>
+  </p:clrMapOvr>
+</p:sld>
+</file>
+
+<file path=ppt/slides/slide11.xml><?xml version="1.0" encoding="utf-8"?>
+<p:sld xmlns:a="http://schemas.openxmlformats.org/drawingml/2006/main" xmlns:r="http://schemas.openxmlformats.org/officeDocument/2006/relationships" xmlns:p="http://schemas.openxmlformats.org/presentationml/2006/main">
+  <p:cSld>
+    <p:spTree>
+      <p:nvGrpSpPr>
+        <p:cNvPr id="1" name="">
+          <a:extLst>
+            <a:ext uri="{FF2B5EF4-FFF2-40B4-BE49-F238E27FC236}">
+              <a16:creationId xmlns:a16="http://schemas.microsoft.com/office/drawing/2014/main" id="{7E52BDC3-A2C5-E06B-A6A0-5C6F1DB2F8FD}"/>
+            </a:ext>
+          </a:extLst>
+        </p:cNvPr>
+        <p:cNvGrpSpPr/>
+        <p:nvPr/>
+      </p:nvGrpSpPr>
+      <p:grpSpPr>
+        <a:xfrm>
+          <a:off x="0" y="0"/>
+          <a:ext cx="0" cy="0"/>
+          <a:chOff x="0" y="0"/>
+          <a:chExt cx="0" cy="0"/>
+        </a:xfrm>
+      </p:grpSpPr>
+      <p:sp>
+        <p:nvSpPr>
+          <p:cNvPr id="2" name="Title 1">
+            <a:extLst>
+              <a:ext uri="{FF2B5EF4-FFF2-40B4-BE49-F238E27FC236}">
+                <a16:creationId xmlns:a16="http://schemas.microsoft.com/office/drawing/2014/main" id="{77CC2D04-2621-6F97-66B9-D05FF06D53C3}"/>
+              </a:ext>
+            </a:extLst>
+          </p:cNvPr>
+          <p:cNvSpPr>
+            <a:spLocks noGrp="1"/>
+          </p:cNvSpPr>
+          <p:nvPr>
+            <p:ph type="title"/>
+          </p:nvPr>
+        </p:nvSpPr>
+        <p:spPr/>
+        <p:txBody>
+          <a:bodyPr/>
+          <a:lstStyle/>
+          <a:p>
+            <a:r>
+              <a:rPr lang="en-US" dirty="0"/>
+              <a:t>Permutations</a:t>
+            </a:r>
+          </a:p>
+        </p:txBody>
+      </p:sp>
+      <mc:AlternateContent xmlns:mc="http://schemas.openxmlformats.org/markup-compatibility/2006" xmlns:a14="http://schemas.microsoft.com/office/drawing/2010/main">
+        <mc:Choice Requires="a14">
+          <p:sp>
+            <p:nvSpPr>
+              <p:cNvPr id="6" name="Content Placeholder 2">
+                <a:extLst>
+                  <a:ext uri="{FF2B5EF4-FFF2-40B4-BE49-F238E27FC236}">
+                    <a16:creationId xmlns:a16="http://schemas.microsoft.com/office/drawing/2014/main" id="{CD07974E-1D3A-1FFC-034F-263C6F96CB6E}"/>
+                  </a:ext>
+                </a:extLst>
+              </p:cNvPr>
+              <p:cNvSpPr>
+                <a:spLocks noGrp="1"/>
+              </p:cNvSpPr>
+              <p:nvPr>
+                <p:ph idx="1"/>
+              </p:nvPr>
+            </p:nvSpPr>
+            <p:spPr>
+              <a:xfrm>
+                <a:off x="3456123" y="247973"/>
+                <a:ext cx="8482958" cy="6610027"/>
+              </a:xfrm>
+            </p:spPr>
+            <p:txBody>
+              <a:bodyPr anchor="t">
+                <a:normAutofit/>
+              </a:bodyPr>
+              <a:lstStyle/>
+              <a:p>
+                <a:pPr marL="0" indent="0">
+                  <a:buNone/>
+                </a:pPr>
+                <a:r>
+                  <a:rPr lang="en-US" sz="2400" dirty="0">
+                    <a:solidFill>
+                      <a:schemeClr val="tx1"/>
+                    </a:solidFill>
+                    <a:latin typeface="Open Sans" panose="020B0606030504020204" pitchFamily="34" charset="0"/>
+                  </a:rPr>
+                  <a:t>A </a:t>
+                </a:r>
+                <a:r>
+                  <a:rPr lang="en-US" sz="2400" b="1" i="1" dirty="0">
+                    <a:solidFill>
+                      <a:schemeClr val="tx1"/>
+                    </a:solidFill>
+                    <a:latin typeface="Open Sans" panose="020B0606030504020204" pitchFamily="34" charset="0"/>
+                  </a:rPr>
+                  <a:t>permutation</a:t>
+                </a:r>
+                <a:r>
+                  <a:rPr lang="en-US" sz="2400" dirty="0">
+                    <a:solidFill>
+                      <a:schemeClr val="tx1"/>
+                    </a:solidFill>
+                    <a:latin typeface="Open Sans" panose="020B0606030504020204" pitchFamily="34" charset="0"/>
+                  </a:rPr>
+                  <a:t> is a (possible) rearrangement of objects. </a:t>
+                </a:r>
+              </a:p>
+              <a:p>
+                <a:pPr marL="0" indent="0">
+                  <a:buNone/>
+                </a:pPr>
+                <a:endParaRPr lang="en-US" sz="2400" dirty="0">
+                  <a:solidFill>
+                    <a:schemeClr val="tx1"/>
+                  </a:solidFill>
+                  <a:latin typeface="Open Sans" panose="020B0606030504020204" pitchFamily="34" charset="0"/>
+                </a:endParaRPr>
+              </a:p>
+              <a:p>
+                <a:pPr marL="0" indent="0">
+                  <a:buNone/>
+                </a:pPr>
+                <a:r>
+                  <a:rPr lang="en-US" sz="2400" dirty="0">
+                    <a:solidFill>
+                      <a:schemeClr val="tx1"/>
+                    </a:solidFill>
+                    <a:latin typeface="Open Sans" panose="020B0606030504020204" pitchFamily="34" charset="0"/>
+                  </a:rPr>
+                  <a:t>There are </a:t>
+                </a:r>
+                <a14:m>
+                  <m:oMath xmlns:m="http://schemas.openxmlformats.org/officeDocument/2006/math">
+                    <m:r>
+                      <a:rPr lang="en-US" sz="2400" b="0" i="1" smtClean="0">
+                        <a:solidFill>
+                          <a:schemeClr val="tx1"/>
+                        </a:solidFill>
+                        <a:latin typeface="Cambria Math" panose="02040503050406030204" pitchFamily="18" charset="0"/>
+                      </a:rPr>
+                      <m:t>𝑛</m:t>
+                    </m:r>
+                    <m:r>
+                      <a:rPr lang="en-US" sz="2400" b="0" i="1" smtClean="0">
+                        <a:solidFill>
+                          <a:schemeClr val="tx1"/>
+                        </a:solidFill>
+                        <a:latin typeface="Cambria Math" panose="02040503050406030204" pitchFamily="18" charset="0"/>
+                      </a:rPr>
+                      <m:t>!=</m:t>
+                    </m:r>
+                    <m:r>
+                      <a:rPr lang="en-US" sz="2400" b="0" i="1" smtClean="0">
+                        <a:solidFill>
+                          <a:schemeClr val="tx1"/>
+                        </a:solidFill>
+                        <a:latin typeface="Cambria Math" panose="02040503050406030204" pitchFamily="18" charset="0"/>
+                      </a:rPr>
+                      <m:t>𝑛</m:t>
+                    </m:r>
+                    <m:r>
+                      <a:rPr lang="en-US" sz="2400" b="0" i="1" smtClean="0">
+                        <a:solidFill>
+                          <a:schemeClr val="tx1"/>
+                        </a:solidFill>
+                        <a:latin typeface="Cambria Math" panose="02040503050406030204" pitchFamily="18" charset="0"/>
+                      </a:rPr>
+                      <m:t>∗</m:t>
+                    </m:r>
+                    <m:d>
+                      <m:dPr>
+                        <m:ctrlPr>
+                          <a:rPr lang="en-US" sz="2400" b="0" i="1" smtClean="0">
+                            <a:solidFill>
+                              <a:schemeClr val="tx1"/>
+                            </a:solidFill>
+                            <a:latin typeface="Cambria Math" panose="02040503050406030204" pitchFamily="18" charset="0"/>
+                          </a:rPr>
+                        </m:ctrlPr>
+                      </m:dPr>
+                      <m:e>
+                        <m:r>
+                          <a:rPr lang="en-US" sz="2400" b="0" i="1" smtClean="0">
+                            <a:solidFill>
+                              <a:schemeClr val="tx1"/>
+                            </a:solidFill>
+                            <a:latin typeface="Cambria Math" panose="02040503050406030204" pitchFamily="18" charset="0"/>
+                          </a:rPr>
+                          <m:t>𝑛</m:t>
+                        </m:r>
+                        <m:r>
+                          <a:rPr lang="en-US" sz="2400" b="0" i="1" smtClean="0">
+                            <a:solidFill>
+                              <a:schemeClr val="tx1"/>
+                            </a:solidFill>
+                            <a:latin typeface="Cambria Math" panose="02040503050406030204" pitchFamily="18" charset="0"/>
+                          </a:rPr>
+                          <m:t>−1</m:t>
+                        </m:r>
+                      </m:e>
+                    </m:d>
+                    <m:r>
+                      <a:rPr lang="en-US" sz="2400" b="0" i="1" smtClean="0">
+                        <a:solidFill>
+                          <a:schemeClr val="tx1"/>
+                        </a:solidFill>
+                        <a:latin typeface="Cambria Math" panose="02040503050406030204" pitchFamily="18" charset="0"/>
+                      </a:rPr>
+                      <m:t>∗</m:t>
+                    </m:r>
+                    <m:d>
+                      <m:dPr>
+                        <m:ctrlPr>
+                          <a:rPr lang="en-US" sz="2400" b="0" i="1" smtClean="0">
+                            <a:solidFill>
+                              <a:schemeClr val="tx1"/>
+                            </a:solidFill>
+                            <a:latin typeface="Cambria Math" panose="02040503050406030204" pitchFamily="18" charset="0"/>
+                          </a:rPr>
+                        </m:ctrlPr>
+                      </m:dPr>
+                      <m:e>
+                        <m:r>
+                          <a:rPr lang="en-US" sz="2400" b="0" i="1" smtClean="0">
+                            <a:solidFill>
+                              <a:schemeClr val="tx1"/>
+                            </a:solidFill>
+                            <a:latin typeface="Cambria Math" panose="02040503050406030204" pitchFamily="18" charset="0"/>
+                          </a:rPr>
+                          <m:t>𝑛</m:t>
+                        </m:r>
+                        <m:r>
+                          <a:rPr lang="en-US" sz="2400" b="0" i="1" smtClean="0">
+                            <a:solidFill>
+                              <a:schemeClr val="tx1"/>
+                            </a:solidFill>
+                            <a:latin typeface="Cambria Math" panose="02040503050406030204" pitchFamily="18" charset="0"/>
+                          </a:rPr>
+                          <m:t>−2</m:t>
+                        </m:r>
+                      </m:e>
+                    </m:d>
+                    <m:r>
+                      <a:rPr lang="en-US" sz="2400" b="0" i="1" smtClean="0">
+                        <a:solidFill>
+                          <a:schemeClr val="tx1"/>
+                        </a:solidFill>
+                        <a:latin typeface="Cambria Math" panose="02040503050406030204" pitchFamily="18" charset="0"/>
+                      </a:rPr>
+                      <m:t>∗…∗2∗1</m:t>
+                    </m:r>
+                  </m:oMath>
+                </a14:m>
+                <a:r>
+                  <a:rPr lang="en-US" sz="2400" dirty="0">
+                    <a:solidFill>
+                      <a:schemeClr val="tx1"/>
+                    </a:solidFill>
+                    <a:latin typeface="Open Sans" panose="020B0606030504020204" pitchFamily="34" charset="0"/>
+                  </a:rPr>
+                  <a:t> permutations of </a:t>
+                </a:r>
+                <a14:m>
+                  <m:oMath xmlns:m="http://schemas.openxmlformats.org/officeDocument/2006/math">
+                    <m:r>
+                      <a:rPr lang="en-US" sz="2400" b="0" i="1" smtClean="0">
+                        <a:solidFill>
+                          <a:schemeClr val="tx1"/>
+                        </a:solidFill>
+                        <a:latin typeface="Cambria Math" panose="02040503050406030204" pitchFamily="18" charset="0"/>
+                      </a:rPr>
+                      <m:t>𝑛</m:t>
+                    </m:r>
+                  </m:oMath>
+                </a14:m>
+                <a:r>
+                  <a:rPr lang="en-US" sz="2400" dirty="0">
+                    <a:solidFill>
+                      <a:schemeClr val="tx1"/>
+                    </a:solidFill>
+                    <a:latin typeface="Open Sans" panose="020B0606030504020204" pitchFamily="34" charset="0"/>
+                  </a:rPr>
+                  <a:t> distinct elements. </a:t>
+                </a:r>
+              </a:p>
+              <a:p>
+                <a:pPr marL="0" indent="0">
+                  <a:buNone/>
+                </a:pPr>
+                <a:endParaRPr lang="en-US" sz="2400" dirty="0">
+                  <a:solidFill>
+                    <a:schemeClr val="tx1"/>
+                  </a:solidFill>
+                  <a:latin typeface="Open Sans" panose="020B0606030504020204" pitchFamily="34" charset="0"/>
+                </a:endParaRPr>
+              </a:p>
+            </p:txBody>
+          </p:sp>
+        </mc:Choice>
+        <mc:Fallback xmlns="">
+          <p:sp>
+            <p:nvSpPr>
+              <p:cNvPr id="6" name="Content Placeholder 2">
+                <a:extLst>
+                  <a:ext uri="{FF2B5EF4-FFF2-40B4-BE49-F238E27FC236}">
+                    <a16:creationId xmlns:a16="http://schemas.microsoft.com/office/drawing/2014/main" id="{CD07974E-1D3A-1FFC-034F-263C6F96CB6E}"/>
+                  </a:ext>
+                </a:extLst>
+              </p:cNvPr>
+              <p:cNvSpPr>
+                <a:spLocks noGrp="1" noRot="1" noChangeAspect="1" noMove="1" noResize="1" noEditPoints="1" noAdjustHandles="1" noChangeArrowheads="1" noChangeShapeType="1" noTextEdit="1"/>
+              </p:cNvSpPr>
+              <p:nvPr>
+                <p:ph idx="1"/>
+              </p:nvPr>
+            </p:nvSpPr>
+            <p:spPr>
+              <a:xfrm>
+                <a:off x="3456123" y="247973"/>
+                <a:ext cx="8482958" cy="6610027"/>
+              </a:xfrm>
+              <a:blipFill>
+                <a:blip r:embed="rId3"/>
+                <a:stretch>
+                  <a:fillRect l="-1196" t="-1344" r="-1046"/>
+                </a:stretch>
+              </a:blipFill>
+            </p:spPr>
+            <p:txBody>
+              <a:bodyPr/>
+              <a:lstStyle/>
+              <a:p>
+                <a:r>
+                  <a:rPr lang="en-US">
+                    <a:noFill/>
+                  </a:rPr>
+                  <a:t> </a:t>
+                </a:r>
+              </a:p>
+            </p:txBody>
+          </p:sp>
+        </mc:Fallback>
+      </mc:AlternateContent>
+      <mc:AlternateContent xmlns:mc="http://schemas.openxmlformats.org/markup-compatibility/2006" xmlns:a14="http://schemas.microsoft.com/office/drawing/2010/main">
+        <mc:Choice Requires="a14">
           <p:sp>
             <p:nvSpPr>
               <p:cNvPr id="3" name="Rounded Rectangle 2">
@@ -6548,7 +6910,7 @@
             </p:txBody>
           </p:sp>
         </mc:Choice>
-        <mc:Fallback>
+        <mc:Fallback xmlns="">
           <p:sp>
             <p:nvSpPr>
               <p:cNvPr id="3" name="Rounded Rectangle 2">
@@ -6606,7 +6968,7 @@
 </p:sld>
 </file>
 
-<file path=ppt/slides/slide11.xml><?xml version="1.0" encoding="utf-8"?>
+<file path=ppt/slides/slide12.xml><?xml version="1.0" encoding="utf-8"?>
 <p:sld xmlns:a="http://schemas.openxmlformats.org/drawingml/2006/main" xmlns:r="http://schemas.openxmlformats.org/officeDocument/2006/relationships" xmlns:p="http://schemas.openxmlformats.org/presentationml/2006/main">
   <p:cSld>
     <p:spTree>
@@ -6657,8 +7019,8 @@
           </a:p>
         </p:txBody>
       </p:sp>
-      <mc:AlternateContent xmlns:mc="http://schemas.openxmlformats.org/markup-compatibility/2006">
-        <mc:Choice xmlns:a14="http://schemas.microsoft.com/office/drawing/2010/main" Requires="a14">
+      <mc:AlternateContent xmlns:mc="http://schemas.openxmlformats.org/markup-compatibility/2006" xmlns:a14="http://schemas.microsoft.com/office/drawing/2010/main">
+        <mc:Choice Requires="a14">
           <p:sp>
             <p:nvSpPr>
               <p:cNvPr id="6" name="Content Placeholder 2">
@@ -7058,7 +7420,7 @@
             </p:txBody>
           </p:sp>
         </mc:Choice>
-        <mc:Fallback>
+        <mc:Fallback xmlns="">
           <p:sp>
             <p:nvSpPr>
               <p:cNvPr id="6" name="Content Placeholder 2">
@@ -7115,7 +7477,7 @@
 </p:sld>
 </file>
 
-<file path=ppt/slides/slide12.xml><?xml version="1.0" encoding="utf-8"?>
+<file path=ppt/slides/slide13.xml><?xml version="1.0" encoding="utf-8"?>
 <p:sld xmlns:a="http://schemas.openxmlformats.org/drawingml/2006/main" xmlns:r="http://schemas.openxmlformats.org/officeDocument/2006/relationships" xmlns:p="http://schemas.openxmlformats.org/presentationml/2006/main">
   <p:cSld>
     <p:spTree>
@@ -7166,8 +7528,8 @@
           </a:p>
         </p:txBody>
       </p:sp>
-      <mc:AlternateContent xmlns:mc="http://schemas.openxmlformats.org/markup-compatibility/2006">
-        <mc:Choice xmlns:a14="http://schemas.microsoft.com/office/drawing/2010/main" Requires="a14">
+      <mc:AlternateContent xmlns:mc="http://schemas.openxmlformats.org/markup-compatibility/2006" xmlns:a14="http://schemas.microsoft.com/office/drawing/2010/main">
+        <mc:Choice Requires="a14">
           <p:sp>
             <p:nvSpPr>
               <p:cNvPr id="6" name="Content Placeholder 2">
@@ -7567,7 +7929,7 @@
             </p:txBody>
           </p:sp>
         </mc:Choice>
-        <mc:Fallback>
+        <mc:Fallback xmlns="">
           <p:sp>
             <p:nvSpPr>
               <p:cNvPr id="6" name="Content Placeholder 2">
@@ -7677,7 +8039,7 @@
 </p:sld>
 </file>
 
-<file path=ppt/slides/slide13.xml><?xml version="1.0" encoding="utf-8"?>
+<file path=ppt/slides/slide14.xml><?xml version="1.0" encoding="utf-8"?>
 <p:sld xmlns:a="http://schemas.openxmlformats.org/drawingml/2006/main" xmlns:r="http://schemas.openxmlformats.org/officeDocument/2006/relationships" xmlns:p="http://schemas.openxmlformats.org/presentationml/2006/main">
   <p:cSld>
     <p:spTree>
@@ -7728,8 +8090,8 @@
           </a:p>
         </p:txBody>
       </p:sp>
-      <mc:AlternateContent xmlns:mc="http://schemas.openxmlformats.org/markup-compatibility/2006">
-        <mc:Choice xmlns:a14="http://schemas.microsoft.com/office/drawing/2010/main" Requires="a14">
+      <mc:AlternateContent xmlns:mc="http://schemas.openxmlformats.org/markup-compatibility/2006" xmlns:a14="http://schemas.microsoft.com/office/drawing/2010/main">
+        <mc:Choice Requires="a14">
           <p:sp>
             <p:nvSpPr>
               <p:cNvPr id="6" name="Content Placeholder 2">
@@ -8453,7 +8815,7 @@
             </p:txBody>
           </p:sp>
         </mc:Choice>
-        <mc:Fallback>
+        <mc:Fallback xmlns="">
           <p:sp>
             <p:nvSpPr>
               <p:cNvPr id="6" name="Content Placeholder 2">
@@ -8510,7 +8872,7 @@
 </p:sld>
 </file>
 
-<file path=ppt/slides/slide14.xml><?xml version="1.0" encoding="utf-8"?>
+<file path=ppt/slides/slide15.xml><?xml version="1.0" encoding="utf-8"?>
 <p:sld xmlns:a="http://schemas.openxmlformats.org/drawingml/2006/main" xmlns:r="http://schemas.openxmlformats.org/officeDocument/2006/relationships" xmlns:p="http://schemas.openxmlformats.org/presentationml/2006/main">
   <p:cSld>
     <p:spTree>
@@ -8561,8 +8923,8 @@
           </a:p>
         </p:txBody>
       </p:sp>
-      <mc:AlternateContent xmlns:mc="http://schemas.openxmlformats.org/markup-compatibility/2006">
-        <mc:Choice xmlns:a14="http://schemas.microsoft.com/office/drawing/2010/main" Requires="a14">
+      <mc:AlternateContent xmlns:mc="http://schemas.openxmlformats.org/markup-compatibility/2006" xmlns:a14="http://schemas.microsoft.com/office/drawing/2010/main">
+        <mc:Choice Requires="a14">
           <p:sp>
             <p:nvSpPr>
               <p:cNvPr id="6" name="Content Placeholder 2">
@@ -9286,7 +9648,7 @@
             </p:txBody>
           </p:sp>
         </mc:Choice>
-        <mc:Fallback>
+        <mc:Fallback xmlns="">
           <p:sp>
             <p:nvSpPr>
               <p:cNvPr id="6" name="Content Placeholder 2">
@@ -9330,8 +9692,8 @@
           </p:sp>
         </mc:Fallback>
       </mc:AlternateContent>
-      <mc:AlternateContent xmlns:mc="http://schemas.openxmlformats.org/markup-compatibility/2006">
-        <mc:Choice xmlns:a14="http://schemas.microsoft.com/office/drawing/2010/main" Requires="a14">
+      <mc:AlternateContent xmlns:mc="http://schemas.openxmlformats.org/markup-compatibility/2006" xmlns:a14="http://schemas.microsoft.com/office/drawing/2010/main">
+        <mc:Choice Requires="a14">
           <p:sp>
             <p:nvSpPr>
               <p:cNvPr id="3" name="Rounded Rectangle 2">
@@ -9463,7 +9825,7 @@
             </p:txBody>
           </p:sp>
         </mc:Choice>
-        <mc:Fallback>
+        <mc:Fallback xmlns="">
           <p:sp>
             <p:nvSpPr>
               <p:cNvPr id="3" name="Rounded Rectangle 2">
@@ -9521,7 +9883,7 @@
 </p:sld>
 </file>
 
-<file path=ppt/slides/slide15.xml><?xml version="1.0" encoding="utf-8"?>
+<file path=ppt/slides/slide16.xml><?xml version="1.0" encoding="utf-8"?>
 <p:sld xmlns:a="http://schemas.openxmlformats.org/drawingml/2006/main" xmlns:r="http://schemas.openxmlformats.org/officeDocument/2006/relationships" xmlns:p="http://schemas.openxmlformats.org/presentationml/2006/main">
   <p:cSld>
     <p:spTree>
@@ -9572,8 +9934,8 @@
           </a:p>
         </p:txBody>
       </p:sp>
-      <mc:AlternateContent xmlns:mc="http://schemas.openxmlformats.org/markup-compatibility/2006">
-        <mc:Choice xmlns:a14="http://schemas.microsoft.com/office/drawing/2010/main" Requires="a14">
+      <mc:AlternateContent xmlns:mc="http://schemas.openxmlformats.org/markup-compatibility/2006" xmlns:a14="http://schemas.microsoft.com/office/drawing/2010/main">
+        <mc:Choice Requires="a14">
           <p:sp>
             <p:nvSpPr>
               <p:cNvPr id="6" name="Content Placeholder 2">
@@ -9946,7 +10308,7 @@
             </p:txBody>
           </p:sp>
         </mc:Choice>
-        <mc:Fallback>
+        <mc:Fallback xmlns="">
           <p:sp>
             <p:nvSpPr>
               <p:cNvPr id="6" name="Content Placeholder 2">
@@ -10003,7 +10365,7 @@
 </p:sld>
 </file>
 
-<file path=ppt/slides/slide16.xml><?xml version="1.0" encoding="utf-8"?>
+<file path=ppt/slides/slide17.xml><?xml version="1.0" encoding="utf-8"?>
 <p:sld xmlns:a="http://schemas.openxmlformats.org/drawingml/2006/main" xmlns:r="http://schemas.openxmlformats.org/officeDocument/2006/relationships" xmlns:p="http://schemas.openxmlformats.org/presentationml/2006/main">
   <p:cSld>
     <p:spTree>
@@ -10054,8 +10416,8 @@
           </a:p>
         </p:txBody>
       </p:sp>
-      <mc:AlternateContent xmlns:mc="http://schemas.openxmlformats.org/markup-compatibility/2006">
-        <mc:Choice xmlns:a14="http://schemas.microsoft.com/office/drawing/2010/main" Requires="a14">
+      <mc:AlternateContent xmlns:mc="http://schemas.openxmlformats.org/markup-compatibility/2006" xmlns:a14="http://schemas.microsoft.com/office/drawing/2010/main">
+        <mc:Choice Requires="a14">
           <p:sp>
             <p:nvSpPr>
               <p:cNvPr id="6" name="Content Placeholder 2">
@@ -10428,7 +10790,7 @@
             </p:txBody>
           </p:sp>
         </mc:Choice>
-        <mc:Fallback>
+        <mc:Fallback xmlns="">
           <p:sp>
             <p:nvSpPr>
               <p:cNvPr id="6" name="Content Placeholder 2">
@@ -10472,8 +10834,8 @@
           </p:sp>
         </mc:Fallback>
       </mc:AlternateContent>
-      <mc:AlternateContent xmlns:mc="http://schemas.openxmlformats.org/markup-compatibility/2006">
-        <mc:Choice xmlns:a14="http://schemas.microsoft.com/office/drawing/2010/main" Requires="a14">
+      <mc:AlternateContent xmlns:mc="http://schemas.openxmlformats.org/markup-compatibility/2006" xmlns:a14="http://schemas.microsoft.com/office/drawing/2010/main">
+        <mc:Choice Requires="a14">
           <p:sp>
             <p:nvSpPr>
               <p:cNvPr id="3" name="Rounded Rectangle 2">
@@ -10678,7 +11040,7 @@
             </p:txBody>
           </p:sp>
         </mc:Choice>
-        <mc:Fallback>
+        <mc:Fallback xmlns="">
           <p:sp>
             <p:nvSpPr>
               <p:cNvPr id="3" name="Rounded Rectangle 2">
@@ -10736,7 +11098,7 @@
 </p:sld>
 </file>
 
-<file path=ppt/slides/slide17.xml><?xml version="1.0" encoding="utf-8"?>
+<file path=ppt/slides/slide18.xml><?xml version="1.0" encoding="utf-8"?>
 <p:sld xmlns:a="http://schemas.openxmlformats.org/drawingml/2006/main" xmlns:r="http://schemas.openxmlformats.org/officeDocument/2006/relationships" xmlns:p="http://schemas.openxmlformats.org/presentationml/2006/main">
   <p:cSld>
     <p:spTree>
@@ -10787,8 +11149,8 @@
           </a:p>
         </p:txBody>
       </p:sp>
-      <mc:AlternateContent xmlns:mc="http://schemas.openxmlformats.org/markup-compatibility/2006">
-        <mc:Choice xmlns:a14="http://schemas.microsoft.com/office/drawing/2010/main" Requires="a14">
+      <mc:AlternateContent xmlns:mc="http://schemas.openxmlformats.org/markup-compatibility/2006" xmlns:a14="http://schemas.microsoft.com/office/drawing/2010/main">
+        <mc:Choice Requires="a14">
           <p:sp>
             <p:nvSpPr>
               <p:cNvPr id="6" name="Content Placeholder 2">
@@ -11364,7 +11726,7 @@
             </p:txBody>
           </p:sp>
         </mc:Choice>
-        <mc:Fallback>
+        <mc:Fallback xmlns="">
           <p:sp>
             <p:nvSpPr>
               <p:cNvPr id="6" name="Content Placeholder 2">
@@ -11421,7 +11783,7 @@
 </p:sld>
 </file>
 
-<file path=ppt/slides/slide18.xml><?xml version="1.0" encoding="utf-8"?>
+<file path=ppt/slides/slide19.xml><?xml version="1.0" encoding="utf-8"?>
 <p:sld xmlns:a="http://schemas.openxmlformats.org/drawingml/2006/main" xmlns:r="http://schemas.openxmlformats.org/officeDocument/2006/relationships" xmlns:p="http://schemas.openxmlformats.org/presentationml/2006/main">
   <p:cSld>
     <p:spTree>
@@ -11472,8 +11834,8 @@
           </a:p>
         </p:txBody>
       </p:sp>
-      <mc:AlternateContent xmlns:mc="http://schemas.openxmlformats.org/markup-compatibility/2006">
-        <mc:Choice xmlns:a14="http://schemas.microsoft.com/office/drawing/2010/main" Requires="a14">
+      <mc:AlternateContent xmlns:mc="http://schemas.openxmlformats.org/markup-compatibility/2006" xmlns:a14="http://schemas.microsoft.com/office/drawing/2010/main">
+        <mc:Choice Requires="a14">
           <p:sp>
             <p:nvSpPr>
               <p:cNvPr id="6" name="Content Placeholder 2">
@@ -12049,7 +12411,7 @@
             </p:txBody>
           </p:sp>
         </mc:Choice>
-        <mc:Fallback>
+        <mc:Fallback xmlns="">
           <p:sp>
             <p:nvSpPr>
               <p:cNvPr id="6" name="Content Placeholder 2">
@@ -12181,7 +12543,7 @@
           <p:cNvPr id="2" name="Title 1">
             <a:extLst>
               <a:ext uri="{FF2B5EF4-FFF2-40B4-BE49-F238E27FC236}">
-                <a16:creationId xmlns:a16="http://schemas.microsoft.com/office/drawing/2014/main" id="{10D330C2-52A4-1ABA-980B-56FBC97F350C}"/>
+                <a16:creationId xmlns:a16="http://schemas.microsoft.com/office/drawing/2014/main" id="{BEA6A380-698D-F04F-898D-CC6BD20937D1}"/>
               </a:ext>
             </a:extLst>
           </p:cNvPr>
@@ -12199,7 +12561,7 @@
           <a:p>
             <a:r>
               <a:rPr lang="en-US" dirty="0"/>
-              <a:t>Plan for Today</a:t>
+              <a:t>Reminder</a:t>
             </a:r>
           </a:p>
         </p:txBody>
@@ -12209,7 +12571,7 @@
           <p:cNvPr id="3" name="Content Placeholder 2">
             <a:extLst>
               <a:ext uri="{FF2B5EF4-FFF2-40B4-BE49-F238E27FC236}">
-                <a16:creationId xmlns:a16="http://schemas.microsoft.com/office/drawing/2014/main" id="{9EAE50F6-429C-715A-C25C-1C7744AED1CF}"/>
+                <a16:creationId xmlns:a16="http://schemas.microsoft.com/office/drawing/2014/main" id="{E5144880-6285-A04C-B6DB-BE442B8A2762}"/>
               </a:ext>
             </a:extLst>
           </p:cNvPr>
@@ -12229,29 +12591,35 @@
           <a:p>
             <a:r>
               <a:rPr lang="en-US" sz="2400" dirty="0"/>
-              <a:t>Counting</a:t>
-            </a:r>
-          </a:p>
-          <a:p>
-            <a:pPr lvl="1"/>
-            <a:r>
-              <a:rPr lang="en-US" sz="2200" dirty="0"/>
-              <a:t>Combinations </a:t>
-            </a:r>
-          </a:p>
-          <a:p>
-            <a:pPr lvl="1"/>
-            <a:r>
-              <a:rPr lang="en-US" sz="2200" dirty="0"/>
-              <a:t>Permutations</a:t>
-            </a:r>
+              <a:t>It is your responsibility to submit your assignments on </a:t>
+            </a:r>
+            <a:r>
+              <a:rPr lang="en-US" sz="2400" dirty="0" err="1"/>
+              <a:t>Gradescope</a:t>
+            </a:r>
+            <a:r>
+              <a:rPr lang="en-US" sz="2400" dirty="0"/>
+              <a:t> (and quizzes on PLATO) on time</a:t>
+            </a:r>
+          </a:p>
+          <a:p>
+            <a:r>
+              <a:rPr lang="en-US" sz="2400" dirty="0"/>
+              <a:t>A lot of people are missing submissions – I will not track you down and I will not accept late assignments</a:t>
+            </a:r>
+          </a:p>
+          <a:p>
+            <a:pPr marL="0" indent="0">
+              <a:buNone/>
+            </a:pPr>
+            <a:endParaRPr lang="en-US" sz="2400" dirty="0"/>
           </a:p>
         </p:txBody>
       </p:sp>
     </p:spTree>
     <p:extLst>
       <p:ext uri="{BB962C8B-B14F-4D97-AF65-F5344CB8AC3E}">
-        <p14:creationId xmlns:p14="http://schemas.microsoft.com/office/powerpoint/2010/main" val="1085546165"/>
+        <p14:creationId xmlns:p14="http://schemas.microsoft.com/office/powerpoint/2010/main" val="973025610"/>
       </p:ext>
     </p:extLst>
   </p:cSld>
@@ -12266,13 +12634,7 @@
   <p:cSld>
     <p:spTree>
       <p:nvGrpSpPr>
-        <p:cNvPr id="1" name="">
-          <a:extLst>
-            <a:ext uri="{FF2B5EF4-FFF2-40B4-BE49-F238E27FC236}">
-              <a16:creationId xmlns:a16="http://schemas.microsoft.com/office/drawing/2014/main" id="{7E52BDC3-A2C5-E06B-A6A0-5C6F1DB2F8FD}"/>
-            </a:ext>
-          </a:extLst>
-        </p:cNvPr>
+        <p:cNvPr id="1" name=""/>
         <p:cNvGrpSpPr/>
         <p:nvPr/>
       </p:nvGrpSpPr>
@@ -12289,7 +12651,7 @@
           <p:cNvPr id="2" name="Title 1">
             <a:extLst>
               <a:ext uri="{FF2B5EF4-FFF2-40B4-BE49-F238E27FC236}">
-                <a16:creationId xmlns:a16="http://schemas.microsoft.com/office/drawing/2014/main" id="{77CC2D04-2621-6F97-66B9-D05FF06D53C3}"/>
+                <a16:creationId xmlns:a16="http://schemas.microsoft.com/office/drawing/2014/main" id="{10D330C2-52A4-1ABA-980B-56FBC97F350C}"/>
               </a:ext>
             </a:extLst>
           </p:cNvPr>
@@ -12307,17 +12669,17 @@
           <a:p>
             <a:r>
               <a:rPr lang="en-US" dirty="0"/>
-              <a:t>Warm Up: Counting</a:t>
+              <a:t>Plan for Today</a:t>
             </a:r>
           </a:p>
         </p:txBody>
       </p:sp>
       <p:sp>
         <p:nvSpPr>
-          <p:cNvPr id="6" name="Content Placeholder 2">
+          <p:cNvPr id="3" name="Content Placeholder 2">
             <a:extLst>
               <a:ext uri="{FF2B5EF4-FFF2-40B4-BE49-F238E27FC236}">
-                <a16:creationId xmlns:a16="http://schemas.microsoft.com/office/drawing/2014/main" id="{CD07974E-1D3A-1FFC-034F-263C6F96CB6E}"/>
+                <a16:creationId xmlns:a16="http://schemas.microsoft.com/office/drawing/2014/main" id="{9EAE50F6-429C-715A-C25C-1C7744AED1CF}"/>
               </a:ext>
             </a:extLst>
           </p:cNvPr>
@@ -12328,251 +12690,38 @@
             <p:ph idx="1"/>
           </p:nvPr>
         </p:nvSpPr>
-        <p:spPr>
-          <a:xfrm>
-            <a:off x="3456123" y="247973"/>
-            <a:ext cx="8482958" cy="6610027"/>
-          </a:xfrm>
-        </p:spPr>
+        <p:spPr/>
         <p:txBody>
-          <a:bodyPr anchor="t">
+          <a:bodyPr>
             <a:normAutofit/>
           </a:bodyPr>
           <a:lstStyle/>
           <a:p>
-            <a:pPr marL="0" indent="0">
-              <a:buNone/>
-            </a:pPr>
-            <a:r>
-              <a:rPr lang="en-US" sz="2400" dirty="0">
-                <a:solidFill>
-                  <a:schemeClr val="tx1"/>
-                </a:solidFill>
-                <a:latin typeface="Open Sans" panose="020B0606030504020204" pitchFamily="34" charset="0"/>
-              </a:rPr>
-              <a:t>The </a:t>
-            </a:r>
-            <a:r>
-              <a:rPr lang="en-US" sz="2400" b="1" i="1" dirty="0">
-                <a:solidFill>
-                  <a:schemeClr val="tx1"/>
-                </a:solidFill>
-                <a:latin typeface="Open Sans" panose="020B0606030504020204" pitchFamily="34" charset="0"/>
-              </a:rPr>
-              <a:t>additive principle </a:t>
-            </a:r>
-            <a:r>
-              <a:rPr lang="en-US" sz="2400" dirty="0">
-                <a:solidFill>
-                  <a:schemeClr val="tx1"/>
-                </a:solidFill>
-                <a:latin typeface="Open Sans" panose="020B0606030504020204" pitchFamily="34" charset="0"/>
-              </a:rPr>
-              <a:t>states that if event A can occur in m ways and event B can occur in n </a:t>
-            </a:r>
-            <a:r>
-              <a:rPr lang="en-US" sz="2400" i="1" dirty="0">
-                <a:solidFill>
-                  <a:schemeClr val="tx1"/>
-                </a:solidFill>
-                <a:latin typeface="Open Sans" panose="020B0606030504020204" pitchFamily="34" charset="0"/>
-              </a:rPr>
-              <a:t>disjoint</a:t>
-            </a:r>
-            <a:r>
-              <a:rPr lang="en-US" sz="2400" dirty="0">
-                <a:solidFill>
-                  <a:schemeClr val="tx1"/>
-                </a:solidFill>
-                <a:latin typeface="Open Sans" panose="020B0606030504020204" pitchFamily="34" charset="0"/>
-              </a:rPr>
-              <a:t> ways, then the event “A or B” can occur in </a:t>
-            </a:r>
-            <a:r>
-              <a:rPr lang="en-US" sz="2400" dirty="0" err="1">
-                <a:solidFill>
-                  <a:schemeClr val="tx1"/>
-                </a:solidFill>
-                <a:latin typeface="Open Sans" panose="020B0606030504020204" pitchFamily="34" charset="0"/>
-              </a:rPr>
-              <a:t>m+n</a:t>
-            </a:r>
-            <a:r>
-              <a:rPr lang="en-US" sz="2400" dirty="0">
-                <a:solidFill>
-                  <a:schemeClr val="tx1"/>
-                </a:solidFill>
-                <a:latin typeface="Open Sans" panose="020B0606030504020204" pitchFamily="34" charset="0"/>
-              </a:rPr>
-              <a:t> ways. </a:t>
-            </a:r>
-          </a:p>
-          <a:p>
-            <a:pPr marL="0" indent="0">
-              <a:buNone/>
-            </a:pPr>
-            <a:r>
-              <a:rPr lang="en-US" sz="2400" dirty="0">
-                <a:solidFill>
-                  <a:schemeClr val="tx1"/>
-                </a:solidFill>
-                <a:latin typeface="Open Sans" panose="020B0606030504020204" pitchFamily="34" charset="0"/>
-              </a:rPr>
-              <a:t>The </a:t>
-            </a:r>
-            <a:r>
-              <a:rPr lang="en-US" sz="2400" b="1" i="1" dirty="0">
-                <a:solidFill>
-                  <a:schemeClr val="tx1"/>
-                </a:solidFill>
-                <a:latin typeface="Open Sans" panose="020B0606030504020204" pitchFamily="34" charset="0"/>
-              </a:rPr>
-              <a:t>multiplicative principle </a:t>
-            </a:r>
-            <a:r>
-              <a:rPr lang="en-US" sz="2400" dirty="0">
-                <a:solidFill>
-                  <a:schemeClr val="tx1"/>
-                </a:solidFill>
-                <a:latin typeface="Open Sans" panose="020B0606030504020204" pitchFamily="34" charset="0"/>
-              </a:rPr>
-              <a:t>states that if event A can occur in m ways and each possibility for A allows for exactly n ways for event B, then the event “A and B” can occur in m*n ways. </a:t>
-            </a:r>
-          </a:p>
-          <a:p>
-            <a:pPr marL="0" indent="0">
-              <a:buNone/>
-            </a:pPr>
-            <a:endParaRPr lang="en-US" sz="2400" dirty="0">
-              <a:solidFill>
-                <a:schemeClr val="tx1"/>
-              </a:solidFill>
-              <a:latin typeface="Open Sans" panose="020B0606030504020204" pitchFamily="34" charset="0"/>
-            </a:endParaRPr>
-          </a:p>
-          <a:p>
-            <a:pPr marL="0" indent="0">
-              <a:buNone/>
-            </a:pPr>
-            <a:endParaRPr lang="en-US" sz="2400" dirty="0">
-              <a:solidFill>
-                <a:schemeClr val="tx1"/>
-              </a:solidFill>
-              <a:latin typeface="Open Sans" panose="020B0606030504020204" pitchFamily="34" charset="0"/>
-            </a:endParaRPr>
-          </a:p>
-          <a:p>
-            <a:pPr marL="0" indent="0">
-              <a:buNone/>
-            </a:pPr>
-            <a:endParaRPr lang="en-US" sz="2400" dirty="0">
-              <a:solidFill>
-                <a:schemeClr val="tx1"/>
-              </a:solidFill>
-              <a:latin typeface="Open Sans" panose="020B0606030504020204" pitchFamily="34" charset="0"/>
-            </a:endParaRPr>
-          </a:p>
-          <a:p>
-            <a:pPr marL="0" indent="0">
-              <a:buNone/>
-            </a:pPr>
-            <a:endParaRPr lang="en-US" sz="2400" dirty="0">
-              <a:solidFill>
-                <a:schemeClr val="tx1"/>
-              </a:solidFill>
-              <a:latin typeface="Open Sans" panose="020B0606030504020204" pitchFamily="34" charset="0"/>
-            </a:endParaRPr>
-          </a:p>
-        </p:txBody>
-      </p:sp>
-      <p:sp>
-        <p:nvSpPr>
-          <p:cNvPr id="4" name="Rounded Rectangle 3">
-            <a:extLst>
-              <a:ext uri="{FF2B5EF4-FFF2-40B4-BE49-F238E27FC236}">
-                <a16:creationId xmlns:a16="http://schemas.microsoft.com/office/drawing/2014/main" id="{DF6396AD-CFDE-B7F2-DD53-16F3E6527FA4}"/>
-              </a:ext>
-            </a:extLst>
-          </p:cNvPr>
-          <p:cNvSpPr/>
-          <p:nvPr/>
-        </p:nvSpPr>
-        <p:spPr>
-          <a:xfrm>
-            <a:off x="3600304" y="3011214"/>
-            <a:ext cx="8194595" cy="3062786"/>
-          </a:xfrm>
-          <a:prstGeom prst="roundRect">
-            <a:avLst/>
-          </a:prstGeom>
-        </p:spPr>
-        <p:style>
-          <a:lnRef idx="0">
-            <a:schemeClr val="accent5"/>
-          </a:lnRef>
-          <a:fillRef idx="3">
-            <a:schemeClr val="accent5"/>
-          </a:fillRef>
-          <a:effectRef idx="3">
-            <a:schemeClr val="accent5"/>
-          </a:effectRef>
-          <a:fontRef idx="minor">
-            <a:schemeClr val="lt1"/>
-          </a:fontRef>
-        </p:style>
-        <p:txBody>
-          <a:bodyPr rtlCol="0" anchor="t"/>
-          <a:lstStyle/>
-          <a:p>
-            <a:r>
-              <a:rPr lang="en-US" sz="2400" b="0" i="0" dirty="0">
-                <a:solidFill>
-                  <a:schemeClr val="bg1"/>
-                </a:solidFill>
-                <a:effectLst/>
-                <a:latin typeface="Open Sans" panose="020B0606030504020204" pitchFamily="34" charset="0"/>
-              </a:rPr>
-              <a:t>You have a bunch of chips which come in five different colors: blue, black, purple, white, and green. </a:t>
-            </a:r>
-          </a:p>
-          <a:p>
-            <a:endParaRPr lang="en-US" sz="2400" dirty="0">
-              <a:solidFill>
-                <a:schemeClr val="bg1"/>
-              </a:solidFill>
-              <a:latin typeface="Open Sans" panose="020B0606030504020204" pitchFamily="34" charset="0"/>
-              <a:ea typeface="Open Sans" panose="020B0606030504020204" pitchFamily="34" charset="0"/>
-              <a:cs typeface="Open Sans" panose="020B0606030504020204" pitchFamily="34" charset="0"/>
-            </a:endParaRPr>
-          </a:p>
-          <a:p>
-            <a:r>
-              <a:rPr lang="en-US" sz="2400" b="0" i="0" dirty="0">
-                <a:solidFill>
-                  <a:schemeClr val="bg1"/>
-                </a:solidFill>
-                <a:effectLst/>
-                <a:latin typeface="Open Sans" panose="020B0606030504020204" pitchFamily="34" charset="0"/>
-              </a:rPr>
-              <a:t>How many different two-chip stacks can you make if the bottom chip must be blue or black? Explain your answer using both the additive and multiplicative principles.</a:t>
-            </a:r>
-          </a:p>
-          <a:p>
-            <a:endParaRPr lang="en-US" sz="2400" dirty="0">
-              <a:solidFill>
-                <a:schemeClr val="bg1"/>
-              </a:solidFill>
-              <a:latin typeface="Open Sans" panose="020B0606030504020204" pitchFamily="34" charset="0"/>
-              <a:ea typeface="Open Sans" panose="020B0606030504020204" pitchFamily="34" charset="0"/>
-              <a:cs typeface="Open Sans" panose="020B0606030504020204" pitchFamily="34" charset="0"/>
-            </a:endParaRPr>
+            <a:r>
+              <a:rPr lang="en-US" sz="2400" dirty="0"/>
+              <a:t>Counting</a:t>
+            </a:r>
+          </a:p>
+          <a:p>
+            <a:pPr lvl="1"/>
+            <a:r>
+              <a:rPr lang="en-US" sz="2200" dirty="0"/>
+              <a:t>Combinations </a:t>
+            </a:r>
+          </a:p>
+          <a:p>
+            <a:pPr lvl="1"/>
+            <a:r>
+              <a:rPr lang="en-US" sz="2200" dirty="0"/>
+              <a:t>Permutations</a:t>
+            </a:r>
           </a:p>
         </p:txBody>
       </p:sp>
     </p:spTree>
     <p:extLst>
       <p:ext uri="{BB962C8B-B14F-4D97-AF65-F5344CB8AC3E}">
-        <p14:creationId xmlns:p14="http://schemas.microsoft.com/office/powerpoint/2010/main" val="798379420"/>
+        <p14:creationId xmlns:p14="http://schemas.microsoft.com/office/powerpoint/2010/main" val="1085546165"/>
       </p:ext>
     </p:extLst>
   </p:cSld>
@@ -12867,7 +13016,6 @@
             </a:endParaRPr>
           </a:p>
           <a:p>
-            <a:pPr algn="l"/>
             <a:r>
               <a:rPr lang="en-US" sz="2400" b="0" i="0" dirty="0">
                 <a:solidFill>
@@ -12876,7 +13024,7 @@
                 <a:effectLst/>
                 <a:latin typeface="Open Sans" panose="020B0606030504020204" pitchFamily="34" charset="0"/>
               </a:rPr>
-              <a:t>How many different three-chip stacks can you make if the bottom chip must be blue or black and the top chip must be purple, white, or green? How does this problem relate to the previous one?</a:t>
+              <a:t>How many different two-chip stacks can you make if the bottom chip must be blue or black? Explain your answer using both the additive and multiplicative principles.</a:t>
             </a:r>
           </a:p>
           <a:p>
@@ -12894,7 +13042,7 @@
     </p:spTree>
     <p:extLst>
       <p:ext uri="{BB962C8B-B14F-4D97-AF65-F5344CB8AC3E}">
-        <p14:creationId xmlns:p14="http://schemas.microsoft.com/office/powerpoint/2010/main" val="1182601754"/>
+        <p14:creationId xmlns:p14="http://schemas.microsoft.com/office/powerpoint/2010/main" val="798379420"/>
       </p:ext>
     </p:extLst>
   </p:cSld>
@@ -13198,7 +13346,7 @@
                 <a:effectLst/>
                 <a:latin typeface="Open Sans" panose="020B0606030504020204" pitchFamily="34" charset="0"/>
               </a:rPr>
-              <a:t>How many different three-chip stacks are there in which no color is repeated? What about four-chip stacks?</a:t>
+              <a:t>How many different three-chip stacks can you make if the bottom chip must be blue or black and the top chip must be purple, white, or green? How does this problem relate to the previous one?</a:t>
             </a:r>
           </a:p>
           <a:p>
@@ -13216,7 +13364,7 @@
     </p:spTree>
     <p:extLst>
       <p:ext uri="{BB962C8B-B14F-4D97-AF65-F5344CB8AC3E}">
-        <p14:creationId xmlns:p14="http://schemas.microsoft.com/office/powerpoint/2010/main" val="2780076256"/>
+        <p14:creationId xmlns:p14="http://schemas.microsoft.com/office/powerpoint/2010/main" val="1182601754"/>
       </p:ext>
     </p:extLst>
   </p:cSld>
@@ -13464,8 +13612,8 @@
         </p:nvSpPr>
         <p:spPr>
           <a:xfrm>
-            <a:off x="3600304" y="3011213"/>
-            <a:ext cx="8194595" cy="3294993"/>
+            <a:off x="3600304" y="3011214"/>
+            <a:ext cx="8194595" cy="3062786"/>
           </a:xfrm>
           <a:prstGeom prst="roundRect">
             <a:avLst/>
@@ -13511,6 +13659,7 @@
             </a:endParaRPr>
           </a:p>
           <a:p>
+            <a:pPr algn="l"/>
             <a:r>
               <a:rPr lang="en-US" sz="2400" b="0" i="0" dirty="0">
                 <a:solidFill>
@@ -13519,8 +13668,10 @@
                 <a:effectLst/>
                 <a:latin typeface="Open Sans" panose="020B0606030504020204" pitchFamily="34" charset="0"/>
               </a:rPr>
-              <a:t>Suppose you wanted to take three different colored chips and put them in your pocket. How many different choices do you have? What if you wanted four different colored chips? How do these problems relate to the previous one?</a:t>
-            </a:r>
+              <a:t>How many different three-chip stacks are there in which no color is repeated? What about four-chip stacks?</a:t>
+            </a:r>
+          </a:p>
+          <a:p>
             <a:endParaRPr lang="en-US" sz="2400" dirty="0">
               <a:solidFill>
                 <a:schemeClr val="bg1"/>
@@ -13535,7 +13686,7 @@
     </p:spTree>
     <p:extLst>
       <p:ext uri="{BB962C8B-B14F-4D97-AF65-F5344CB8AC3E}">
-        <p14:creationId xmlns:p14="http://schemas.microsoft.com/office/powerpoint/2010/main" val="3646419927"/>
+        <p14:creationId xmlns:p14="http://schemas.microsoft.com/office/powerpoint/2010/main" val="2780076256"/>
       </p:ext>
     </p:extLst>
   </p:cSld>
@@ -13591,7 +13742,7 @@
           <a:p>
             <a:r>
               <a:rPr lang="en-US" dirty="0"/>
-              <a:t>Permutations</a:t>
+              <a:t>Warm Up: Counting</a:t>
             </a:r>
           </a:p>
         </p:txBody>
@@ -13634,7 +13785,7 @@
                 </a:solidFill>
                 <a:latin typeface="Open Sans" panose="020B0606030504020204" pitchFamily="34" charset="0"/>
               </a:rPr>
-              <a:t>A </a:t>
+              <a:t>The </a:t>
             </a:r>
             <a:r>
               <a:rPr lang="en-US" sz="2400" b="1" i="1" dirty="0">
@@ -13643,7 +13794,7 @@
                 </a:solidFill>
                 <a:latin typeface="Open Sans" panose="020B0606030504020204" pitchFamily="34" charset="0"/>
               </a:rPr>
-              <a:t>permutation</a:t>
+              <a:t>additive principle </a:t>
             </a:r>
             <a:r>
               <a:rPr lang="en-US" sz="2400" dirty="0">
@@ -13652,7 +13803,75 @@
                 </a:solidFill>
                 <a:latin typeface="Open Sans" panose="020B0606030504020204" pitchFamily="34" charset="0"/>
               </a:rPr>
-              <a:t> is a (possible) rearrangement of objects. </a:t>
+              <a:t>states that if event A can occur in m ways and event B can occur in n </a:t>
+            </a:r>
+            <a:r>
+              <a:rPr lang="en-US" sz="2400" i="1" dirty="0">
+                <a:solidFill>
+                  <a:schemeClr val="tx1"/>
+                </a:solidFill>
+                <a:latin typeface="Open Sans" panose="020B0606030504020204" pitchFamily="34" charset="0"/>
+              </a:rPr>
+              <a:t>disjoint</a:t>
+            </a:r>
+            <a:r>
+              <a:rPr lang="en-US" sz="2400" dirty="0">
+                <a:solidFill>
+                  <a:schemeClr val="tx1"/>
+                </a:solidFill>
+                <a:latin typeface="Open Sans" panose="020B0606030504020204" pitchFamily="34" charset="0"/>
+              </a:rPr>
+              <a:t> ways, then the event “A or B” can occur in </a:t>
+            </a:r>
+            <a:r>
+              <a:rPr lang="en-US" sz="2400" dirty="0" err="1">
+                <a:solidFill>
+                  <a:schemeClr val="tx1"/>
+                </a:solidFill>
+                <a:latin typeface="Open Sans" panose="020B0606030504020204" pitchFamily="34" charset="0"/>
+              </a:rPr>
+              <a:t>m+n</a:t>
+            </a:r>
+            <a:r>
+              <a:rPr lang="en-US" sz="2400" dirty="0">
+                <a:solidFill>
+                  <a:schemeClr val="tx1"/>
+                </a:solidFill>
+                <a:latin typeface="Open Sans" panose="020B0606030504020204" pitchFamily="34" charset="0"/>
+              </a:rPr>
+              <a:t> ways. </a:t>
+            </a:r>
+          </a:p>
+          <a:p>
+            <a:pPr marL="0" indent="0">
+              <a:buNone/>
+            </a:pPr>
+            <a:r>
+              <a:rPr lang="en-US" sz="2400" dirty="0">
+                <a:solidFill>
+                  <a:schemeClr val="tx1"/>
+                </a:solidFill>
+                <a:latin typeface="Open Sans" panose="020B0606030504020204" pitchFamily="34" charset="0"/>
+              </a:rPr>
+              <a:t>The </a:t>
+            </a:r>
+            <a:r>
+              <a:rPr lang="en-US" sz="2400" b="1" i="1" dirty="0">
+                <a:solidFill>
+                  <a:schemeClr val="tx1"/>
+                </a:solidFill>
+                <a:latin typeface="Open Sans" panose="020B0606030504020204" pitchFamily="34" charset="0"/>
+              </a:rPr>
+              <a:t>multiplicative principle </a:t>
+            </a:r>
+            <a:r>
+              <a:rPr lang="en-US" sz="2400" dirty="0">
+                <a:solidFill>
+                  <a:schemeClr val="tx1"/>
+                </a:solidFill>
+                <a:latin typeface="Open Sans" panose="020B0606030504020204" pitchFamily="34" charset="0"/>
+              </a:rPr>
+              <a:t>states that if event A can occur in m ways and each possibility for A allows for exactly n ways for event B, then the event “A and B” can occur in m*n ways. </a:t>
             </a:r>
           </a:p>
           <a:p>
@@ -13670,15 +13889,12 @@
             <a:pPr marL="0" indent="0">
               <a:buNone/>
             </a:pPr>
-            <a:r>
-              <a:rPr lang="en-US" sz="2400" dirty="0">
-                <a:solidFill>
-                  <a:schemeClr val="tx1"/>
-                </a:solidFill>
-                <a:latin typeface="Open Sans" panose="020B0606030504020204" pitchFamily="34" charset="0"/>
-              </a:rPr>
-              <a:t>Ex. consider the letters a, b, c</a:t>
-            </a:r>
+            <a:endParaRPr lang="en-US" sz="2400" dirty="0">
+              <a:solidFill>
+                <a:schemeClr val="tx1"/>
+              </a:solidFill>
+              <a:latin typeface="Open Sans" panose="020B0606030504020204" pitchFamily="34" charset="0"/>
+            </a:endParaRPr>
           </a:p>
           <a:p>
             <a:pPr marL="0" indent="0">
@@ -13695,20 +13911,6 @@
             <a:pPr marL="0" indent="0">
               <a:buNone/>
             </a:pPr>
-            <a:r>
-              <a:rPr lang="en-US" sz="2400" dirty="0">
-                <a:solidFill>
-                  <a:schemeClr val="tx1"/>
-                </a:solidFill>
-                <a:latin typeface="Open Sans" panose="020B0606030504020204" pitchFamily="34" charset="0"/>
-              </a:rPr>
-              <a:t>	There are 6 permutations of these letters:</a:t>
-            </a:r>
-          </a:p>
-          <a:p>
-            <a:pPr marL="0" indent="0">
-              <a:buNone/>
-            </a:pPr>
             <a:endParaRPr lang="en-US" sz="2400" dirty="0">
               <a:solidFill>
                 <a:schemeClr val="tx1"/>
@@ -13716,128 +13918,86 @@
               <a:latin typeface="Open Sans" panose="020B0606030504020204" pitchFamily="34" charset="0"/>
             </a:endParaRPr>
           </a:p>
-          <a:p>
-            <a:pPr marL="0" indent="0" algn="ctr">
-              <a:buNone/>
-            </a:pPr>
-            <a:r>
-              <a:rPr lang="en-US" sz="2400" dirty="0" err="1">
+        </p:txBody>
+      </p:sp>
+      <p:sp>
+        <p:nvSpPr>
+          <p:cNvPr id="4" name="Rounded Rectangle 3">
+            <a:extLst>
+              <a:ext uri="{FF2B5EF4-FFF2-40B4-BE49-F238E27FC236}">
+                <a16:creationId xmlns:a16="http://schemas.microsoft.com/office/drawing/2014/main" id="{DF6396AD-CFDE-B7F2-DD53-16F3E6527FA4}"/>
+              </a:ext>
+            </a:extLst>
+          </p:cNvPr>
+          <p:cNvSpPr/>
+          <p:nvPr/>
+        </p:nvSpPr>
+        <p:spPr>
+          <a:xfrm>
+            <a:off x="3600304" y="3011213"/>
+            <a:ext cx="8194595" cy="3294993"/>
+          </a:xfrm>
+          <a:prstGeom prst="roundRect">
+            <a:avLst/>
+          </a:prstGeom>
+        </p:spPr>
+        <p:style>
+          <a:lnRef idx="0">
+            <a:schemeClr val="accent5"/>
+          </a:lnRef>
+          <a:fillRef idx="3">
+            <a:schemeClr val="accent5"/>
+          </a:fillRef>
+          <a:effectRef idx="3">
+            <a:schemeClr val="accent5"/>
+          </a:effectRef>
+          <a:fontRef idx="minor">
+            <a:schemeClr val="lt1"/>
+          </a:fontRef>
+        </p:style>
+        <p:txBody>
+          <a:bodyPr rtlCol="0" anchor="t"/>
+          <a:lstStyle/>
+          <a:p>
+            <a:r>
+              <a:rPr lang="en-US" sz="2400" b="0" i="0" dirty="0">
                 <a:solidFill>
-                  <a:schemeClr val="tx1"/>
+                  <a:schemeClr val="bg1"/>
                 </a:solidFill>
+                <a:effectLst/>
                 <a:latin typeface="Open Sans" panose="020B0606030504020204" pitchFamily="34" charset="0"/>
               </a:rPr>
-              <a:t>abc</a:t>
-            </a:r>
-            <a:r>
-              <a:rPr lang="en-US" sz="2400" dirty="0">
+              <a:t>You have a bunch of chips which come in five different colors: blue, black, purple, white, and green. </a:t>
+            </a:r>
+          </a:p>
+          <a:p>
+            <a:endParaRPr lang="en-US" sz="2400" dirty="0">
+              <a:solidFill>
+                <a:schemeClr val="bg1"/>
+              </a:solidFill>
+              <a:latin typeface="Open Sans" panose="020B0606030504020204" pitchFamily="34" charset="0"/>
+              <a:ea typeface="Open Sans" panose="020B0606030504020204" pitchFamily="34" charset="0"/>
+              <a:cs typeface="Open Sans" panose="020B0606030504020204" pitchFamily="34" charset="0"/>
+            </a:endParaRPr>
+          </a:p>
+          <a:p>
+            <a:r>
+              <a:rPr lang="en-US" sz="2400" b="0" i="0" dirty="0">
                 <a:solidFill>
-                  <a:schemeClr val="tx1"/>
+                  <a:schemeClr val="bg1"/>
                 </a:solidFill>
+                <a:effectLst/>
                 <a:latin typeface="Open Sans" panose="020B0606030504020204" pitchFamily="34" charset="0"/>
               </a:rPr>
-              <a:t>, </a:t>
-            </a:r>
-            <a:r>
-              <a:rPr lang="en-US" sz="2400" dirty="0" err="1">
-                <a:solidFill>
-                  <a:schemeClr val="tx1"/>
-                </a:solidFill>
-                <a:latin typeface="Open Sans" panose="020B0606030504020204" pitchFamily="34" charset="0"/>
-              </a:rPr>
-              <a:t>acb</a:t>
-            </a:r>
-            <a:r>
-              <a:rPr lang="en-US" sz="2400" dirty="0">
-                <a:solidFill>
-                  <a:schemeClr val="tx1"/>
-                </a:solidFill>
-                <a:latin typeface="Open Sans" panose="020B0606030504020204" pitchFamily="34" charset="0"/>
-              </a:rPr>
-              <a:t>, bac, </a:t>
-            </a:r>
-            <a:r>
-              <a:rPr lang="en-US" sz="2400" dirty="0" err="1">
-                <a:solidFill>
-                  <a:schemeClr val="tx1"/>
-                </a:solidFill>
-                <a:latin typeface="Open Sans" panose="020B0606030504020204" pitchFamily="34" charset="0"/>
-              </a:rPr>
-              <a:t>bca</a:t>
-            </a:r>
-            <a:r>
-              <a:rPr lang="en-US" sz="2400" dirty="0">
-                <a:solidFill>
-                  <a:schemeClr val="tx1"/>
-                </a:solidFill>
-                <a:latin typeface="Open Sans" panose="020B0606030504020204" pitchFamily="34" charset="0"/>
-              </a:rPr>
-              <a:t>, cab, cba </a:t>
-            </a:r>
-          </a:p>
-          <a:p>
-            <a:pPr marL="0" indent="0">
-              <a:buNone/>
-            </a:pPr>
+              <a:t>Suppose you wanted to take three different colored chips and put them in your pocket. How many different choices do you have? What if you wanted four different colored chips? How do these problems relate to the previous one?</a:t>
+            </a:r>
             <a:endParaRPr lang="en-US" sz="2400" dirty="0">
               <a:solidFill>
-                <a:schemeClr val="tx1"/>
+                <a:schemeClr val="bg1"/>
               </a:solidFill>
               <a:latin typeface="Open Sans" panose="020B0606030504020204" pitchFamily="34" charset="0"/>
-            </a:endParaRPr>
-          </a:p>
-          <a:p>
-            <a:pPr marL="0" indent="0">
-              <a:buNone/>
-            </a:pPr>
-            <a:r>
-              <a:rPr lang="en-US" sz="2400" dirty="0">
-                <a:solidFill>
-                  <a:schemeClr val="tx1"/>
-                </a:solidFill>
-                <a:latin typeface="Open Sans" panose="020B0606030504020204" pitchFamily="34" charset="0"/>
-              </a:rPr>
-              <a:t>	3 choices for the 1</a:t>
-            </a:r>
-            <a:r>
-              <a:rPr lang="en-US" sz="2400" baseline="30000" dirty="0">
-                <a:solidFill>
-                  <a:schemeClr val="tx1"/>
-                </a:solidFill>
-                <a:latin typeface="Open Sans" panose="020B0606030504020204" pitchFamily="34" charset="0"/>
-              </a:rPr>
-              <a:t>st</a:t>
-            </a:r>
-            <a:r>
-              <a:rPr lang="en-US" sz="2400" dirty="0">
-                <a:solidFill>
-                  <a:schemeClr val="tx1"/>
-                </a:solidFill>
-                <a:latin typeface="Open Sans" panose="020B0606030504020204" pitchFamily="34" charset="0"/>
-              </a:rPr>
-              <a:t> letter, 2 for the second, 1 for 	the third: 3*2*1 = 6 </a:t>
-            </a:r>
-          </a:p>
-          <a:p>
-            <a:pPr marL="0" indent="0">
-              <a:buNone/>
-            </a:pPr>
-            <a:endParaRPr lang="en-US" sz="2400" dirty="0">
-              <a:solidFill>
-                <a:schemeClr val="tx1"/>
-              </a:solidFill>
-              <a:latin typeface="Open Sans" panose="020B0606030504020204" pitchFamily="34" charset="0"/>
-            </a:endParaRPr>
-          </a:p>
-          <a:p>
-            <a:pPr marL="0" indent="0">
-              <a:buNone/>
-            </a:pPr>
-            <a:endParaRPr lang="en-US" sz="2400" dirty="0">
-              <a:solidFill>
-                <a:schemeClr val="tx1"/>
-              </a:solidFill>
-              <a:latin typeface="Open Sans" panose="020B0606030504020204" pitchFamily="34" charset="0"/>
+              <a:ea typeface="Open Sans" panose="020B0606030504020204" pitchFamily="34" charset="0"/>
+              <a:cs typeface="Open Sans" panose="020B0606030504020204" pitchFamily="34" charset="0"/>
             </a:endParaRPr>
           </a:p>
         </p:txBody>
@@ -13845,7 +14005,7 @@
     </p:spTree>
     <p:extLst>
       <p:ext uri="{BB962C8B-B14F-4D97-AF65-F5344CB8AC3E}">
-        <p14:creationId xmlns:p14="http://schemas.microsoft.com/office/powerpoint/2010/main" val="2103727139"/>
+        <p14:creationId xmlns:p14="http://schemas.microsoft.com/office/powerpoint/2010/main" val="3646419927"/>
       </p:ext>
     </p:extLst>
   </p:cSld>
@@ -14152,86 +14312,10 @@
           </a:p>
         </p:txBody>
       </p:sp>
-      <p:sp>
-        <p:nvSpPr>
-          <p:cNvPr id="3" name="Rounded Rectangle 2">
-            <a:extLst>
-              <a:ext uri="{FF2B5EF4-FFF2-40B4-BE49-F238E27FC236}">
-                <a16:creationId xmlns:a16="http://schemas.microsoft.com/office/drawing/2014/main" id="{F05447D2-F80B-C59C-F0BD-A2A77B31FC3D}"/>
-              </a:ext>
-            </a:extLst>
-          </p:cNvPr>
-          <p:cNvSpPr/>
-          <p:nvPr/>
-        </p:nvSpPr>
-        <p:spPr>
-          <a:xfrm>
-            <a:off x="3752192" y="5013435"/>
-            <a:ext cx="8042707" cy="1292772"/>
-          </a:xfrm>
-          <a:prstGeom prst="roundRect">
-            <a:avLst/>
-          </a:prstGeom>
-        </p:spPr>
-        <p:style>
-          <a:lnRef idx="0">
-            <a:schemeClr val="accent5"/>
-          </a:lnRef>
-          <a:fillRef idx="3">
-            <a:schemeClr val="accent5"/>
-          </a:fillRef>
-          <a:effectRef idx="3">
-            <a:schemeClr val="accent5"/>
-          </a:effectRef>
-          <a:fontRef idx="minor">
-            <a:schemeClr val="lt1"/>
-          </a:fontRef>
-        </p:style>
-        <p:txBody>
-          <a:bodyPr rtlCol="0" anchor="t"/>
-          <a:lstStyle/>
-          <a:p>
-            <a:r>
-              <a:rPr lang="en-US" sz="2400" dirty="0">
-                <a:solidFill>
-                  <a:schemeClr val="bg1"/>
-                </a:solidFill>
-                <a:latin typeface="Open Sans" panose="020B0606030504020204" pitchFamily="34" charset="0"/>
-                <a:ea typeface="Open Sans" panose="020B0606030504020204" pitchFamily="34" charset="0"/>
-                <a:cs typeface="Open Sans" panose="020B0606030504020204" pitchFamily="34" charset="0"/>
-              </a:rPr>
-              <a:t>How many permutations are there of a, b, c, d, e, f?</a:t>
-            </a:r>
-          </a:p>
-          <a:p>
-            <a:endParaRPr lang="en-US" sz="2400" dirty="0">
-              <a:solidFill>
-                <a:schemeClr val="bg1"/>
-              </a:solidFill>
-              <a:latin typeface="Open Sans" panose="020B0606030504020204" pitchFamily="34" charset="0"/>
-              <a:ea typeface="Open Sans" panose="020B0606030504020204" pitchFamily="34" charset="0"/>
-              <a:cs typeface="Open Sans" panose="020B0606030504020204" pitchFamily="34" charset="0"/>
-            </a:endParaRPr>
-          </a:p>
-          <a:p>
-            <a:r>
-              <a:rPr lang="en-US" sz="2400" dirty="0">
-                <a:solidFill>
-                  <a:schemeClr val="bg1"/>
-                </a:solidFill>
-                <a:latin typeface="Open Sans" panose="020B0606030504020204" pitchFamily="34" charset="0"/>
-                <a:ea typeface="Open Sans" panose="020B0606030504020204" pitchFamily="34" charset="0"/>
-                <a:cs typeface="Open Sans" panose="020B0606030504020204" pitchFamily="34" charset="0"/>
-              </a:rPr>
-              <a:t>Do you notice a pattern?</a:t>
-            </a:r>
-          </a:p>
-        </p:txBody>
-      </p:sp>
     </p:spTree>
     <p:extLst>
       <p:ext uri="{BB962C8B-B14F-4D97-AF65-F5344CB8AC3E}">
-        <p14:creationId xmlns:p14="http://schemas.microsoft.com/office/powerpoint/2010/main" val="2986822131"/>
+        <p14:creationId xmlns:p14="http://schemas.microsoft.com/office/powerpoint/2010/main" val="2103727139"/>
       </p:ext>
     </p:extLst>
   </p:cSld>
@@ -14292,307 +14376,332 @@
           </a:p>
         </p:txBody>
       </p:sp>
-      <mc:AlternateContent xmlns:mc="http://schemas.openxmlformats.org/markup-compatibility/2006">
-        <mc:Choice xmlns:a14="http://schemas.microsoft.com/office/drawing/2010/main" Requires="a14">
-          <p:sp>
-            <p:nvSpPr>
-              <p:cNvPr id="6" name="Content Placeholder 2">
-                <a:extLst>
-                  <a:ext uri="{FF2B5EF4-FFF2-40B4-BE49-F238E27FC236}">
-                    <a16:creationId xmlns:a16="http://schemas.microsoft.com/office/drawing/2014/main" id="{CD07974E-1D3A-1FFC-034F-263C6F96CB6E}"/>
-                  </a:ext>
-                </a:extLst>
-              </p:cNvPr>
-              <p:cNvSpPr>
-                <a:spLocks noGrp="1"/>
-              </p:cNvSpPr>
-              <p:nvPr>
-                <p:ph idx="1"/>
-              </p:nvPr>
-            </p:nvSpPr>
-            <p:spPr>
-              <a:xfrm>
-                <a:off x="3456123" y="247973"/>
-                <a:ext cx="8482958" cy="6610027"/>
-              </a:xfrm>
-            </p:spPr>
-            <p:txBody>
-              <a:bodyPr anchor="t">
-                <a:normAutofit/>
-              </a:bodyPr>
-              <a:lstStyle/>
-              <a:p>
-                <a:pPr marL="0" indent="0">
-                  <a:buNone/>
-                </a:pPr>
-                <a:r>
-                  <a:rPr lang="en-US" sz="2400" dirty="0">
-                    <a:solidFill>
-                      <a:schemeClr val="tx1"/>
-                    </a:solidFill>
-                    <a:latin typeface="Open Sans" panose="020B0606030504020204" pitchFamily="34" charset="0"/>
-                  </a:rPr>
-                  <a:t>A </a:t>
-                </a:r>
-                <a:r>
-                  <a:rPr lang="en-US" sz="2400" b="1" i="1" dirty="0">
-                    <a:solidFill>
-                      <a:schemeClr val="tx1"/>
-                    </a:solidFill>
-                    <a:latin typeface="Open Sans" panose="020B0606030504020204" pitchFamily="34" charset="0"/>
-                  </a:rPr>
-                  <a:t>permutation</a:t>
-                </a:r>
-                <a:r>
-                  <a:rPr lang="en-US" sz="2400" dirty="0">
-                    <a:solidFill>
-                      <a:schemeClr val="tx1"/>
-                    </a:solidFill>
-                    <a:latin typeface="Open Sans" panose="020B0606030504020204" pitchFamily="34" charset="0"/>
-                  </a:rPr>
-                  <a:t> is a (possible) rearrangement of objects. </a:t>
-                </a:r>
-              </a:p>
-              <a:p>
-                <a:pPr marL="0" indent="0">
-                  <a:buNone/>
-                </a:pPr>
-                <a:endParaRPr lang="en-US" sz="2400" dirty="0">
-                  <a:solidFill>
-                    <a:schemeClr val="tx1"/>
-                  </a:solidFill>
-                  <a:latin typeface="Open Sans" panose="020B0606030504020204" pitchFamily="34" charset="0"/>
-                </a:endParaRPr>
-              </a:p>
-              <a:p>
-                <a:pPr marL="0" indent="0">
-                  <a:buNone/>
-                </a:pPr>
-                <a:r>
-                  <a:rPr lang="en-US" sz="2400" dirty="0">
-                    <a:solidFill>
-                      <a:schemeClr val="tx1"/>
-                    </a:solidFill>
-                    <a:latin typeface="Open Sans" panose="020B0606030504020204" pitchFamily="34" charset="0"/>
-                  </a:rPr>
-                  <a:t>There are </a:t>
-                </a:r>
-                <a14:m>
-                  <m:oMath xmlns:m="http://schemas.openxmlformats.org/officeDocument/2006/math">
-                    <m:r>
-                      <a:rPr lang="en-US" sz="2400" b="0" i="1" smtClean="0">
-                        <a:solidFill>
-                          <a:schemeClr val="tx1"/>
-                        </a:solidFill>
-                        <a:latin typeface="Cambria Math" panose="02040503050406030204" pitchFamily="18" charset="0"/>
-                      </a:rPr>
-                      <m:t>𝑛</m:t>
-                    </m:r>
-                    <m:r>
-                      <a:rPr lang="en-US" sz="2400" b="0" i="1" smtClean="0">
-                        <a:solidFill>
-                          <a:schemeClr val="tx1"/>
-                        </a:solidFill>
-                        <a:latin typeface="Cambria Math" panose="02040503050406030204" pitchFamily="18" charset="0"/>
-                      </a:rPr>
-                      <m:t>!=</m:t>
-                    </m:r>
-                    <m:r>
-                      <a:rPr lang="en-US" sz="2400" b="0" i="1" smtClean="0">
-                        <a:solidFill>
-                          <a:schemeClr val="tx1"/>
-                        </a:solidFill>
-                        <a:latin typeface="Cambria Math" panose="02040503050406030204" pitchFamily="18" charset="0"/>
-                      </a:rPr>
-                      <m:t>𝑛</m:t>
-                    </m:r>
-                    <m:r>
-                      <a:rPr lang="en-US" sz="2400" b="0" i="1" smtClean="0">
-                        <a:solidFill>
-                          <a:schemeClr val="tx1"/>
-                        </a:solidFill>
-                        <a:latin typeface="Cambria Math" panose="02040503050406030204" pitchFamily="18" charset="0"/>
-                      </a:rPr>
-                      <m:t>∗</m:t>
-                    </m:r>
-                    <m:d>
-                      <m:dPr>
-                        <m:ctrlPr>
-                          <a:rPr lang="en-US" sz="2400" b="0" i="1" smtClean="0">
-                            <a:solidFill>
-                              <a:schemeClr val="tx1"/>
-                            </a:solidFill>
-                            <a:latin typeface="Cambria Math" panose="02040503050406030204" pitchFamily="18" charset="0"/>
-                          </a:rPr>
-                        </m:ctrlPr>
-                      </m:dPr>
-                      <m:e>
-                        <m:r>
-                          <a:rPr lang="en-US" sz="2400" b="0" i="1" smtClean="0">
-                            <a:solidFill>
-                              <a:schemeClr val="tx1"/>
-                            </a:solidFill>
-                            <a:latin typeface="Cambria Math" panose="02040503050406030204" pitchFamily="18" charset="0"/>
-                          </a:rPr>
-                          <m:t>𝑛</m:t>
-                        </m:r>
-                        <m:r>
-                          <a:rPr lang="en-US" sz="2400" b="0" i="1" smtClean="0">
-                            <a:solidFill>
-                              <a:schemeClr val="tx1"/>
-                            </a:solidFill>
-                            <a:latin typeface="Cambria Math" panose="02040503050406030204" pitchFamily="18" charset="0"/>
-                          </a:rPr>
-                          <m:t>−1</m:t>
-                        </m:r>
-                      </m:e>
-                    </m:d>
-                    <m:r>
-                      <a:rPr lang="en-US" sz="2400" b="0" i="1" smtClean="0">
-                        <a:solidFill>
-                          <a:schemeClr val="tx1"/>
-                        </a:solidFill>
-                        <a:latin typeface="Cambria Math" panose="02040503050406030204" pitchFamily="18" charset="0"/>
-                      </a:rPr>
-                      <m:t>∗</m:t>
-                    </m:r>
-                    <m:d>
-                      <m:dPr>
-                        <m:ctrlPr>
-                          <a:rPr lang="en-US" sz="2400" b="0" i="1" smtClean="0">
-                            <a:solidFill>
-                              <a:schemeClr val="tx1"/>
-                            </a:solidFill>
-                            <a:latin typeface="Cambria Math" panose="02040503050406030204" pitchFamily="18" charset="0"/>
-                          </a:rPr>
-                        </m:ctrlPr>
-                      </m:dPr>
-                      <m:e>
-                        <m:r>
-                          <a:rPr lang="en-US" sz="2400" b="0" i="1" smtClean="0">
-                            <a:solidFill>
-                              <a:schemeClr val="tx1"/>
-                            </a:solidFill>
-                            <a:latin typeface="Cambria Math" panose="02040503050406030204" pitchFamily="18" charset="0"/>
-                          </a:rPr>
-                          <m:t>𝑛</m:t>
-                        </m:r>
-                        <m:r>
-                          <a:rPr lang="en-US" sz="2400" b="0" i="1" smtClean="0">
-                            <a:solidFill>
-                              <a:schemeClr val="tx1"/>
-                            </a:solidFill>
-                            <a:latin typeface="Cambria Math" panose="02040503050406030204" pitchFamily="18" charset="0"/>
-                          </a:rPr>
-                          <m:t>−2</m:t>
-                        </m:r>
-                      </m:e>
-                    </m:d>
-                    <m:r>
-                      <a:rPr lang="en-US" sz="2400" b="0" i="1" smtClean="0">
-                        <a:solidFill>
-                          <a:schemeClr val="tx1"/>
-                        </a:solidFill>
-                        <a:latin typeface="Cambria Math" panose="02040503050406030204" pitchFamily="18" charset="0"/>
-                      </a:rPr>
-                      <m:t>∗…∗2∗1</m:t>
-                    </m:r>
-                  </m:oMath>
-                </a14:m>
-                <a:r>
-                  <a:rPr lang="en-US" sz="2400" dirty="0">
-                    <a:solidFill>
-                      <a:schemeClr val="tx1"/>
-                    </a:solidFill>
-                    <a:latin typeface="Open Sans" panose="020B0606030504020204" pitchFamily="34" charset="0"/>
-                  </a:rPr>
-                  <a:t> permutations of </a:t>
-                </a:r>
-                <a14:m>
-                  <m:oMath xmlns:m="http://schemas.openxmlformats.org/officeDocument/2006/math">
-                    <m:r>
-                      <a:rPr lang="en-US" sz="2400" b="0" i="1" smtClean="0">
-                        <a:solidFill>
-                          <a:schemeClr val="tx1"/>
-                        </a:solidFill>
-                        <a:latin typeface="Cambria Math" panose="02040503050406030204" pitchFamily="18" charset="0"/>
-                      </a:rPr>
-                      <m:t>𝑛</m:t>
-                    </m:r>
-                  </m:oMath>
-                </a14:m>
-                <a:r>
-                  <a:rPr lang="en-US" sz="2400" dirty="0">
-                    <a:solidFill>
-                      <a:schemeClr val="tx1"/>
-                    </a:solidFill>
-                    <a:latin typeface="Open Sans" panose="020B0606030504020204" pitchFamily="34" charset="0"/>
-                  </a:rPr>
-                  <a:t> distinct elements. </a:t>
-                </a:r>
-              </a:p>
-              <a:p>
-                <a:pPr marL="0" indent="0">
-                  <a:buNone/>
-                </a:pPr>
-                <a:endParaRPr lang="en-US" sz="2400" dirty="0">
-                  <a:solidFill>
-                    <a:schemeClr val="tx1"/>
-                  </a:solidFill>
-                  <a:latin typeface="Open Sans" panose="020B0606030504020204" pitchFamily="34" charset="0"/>
-                </a:endParaRPr>
-              </a:p>
-            </p:txBody>
-          </p:sp>
-        </mc:Choice>
-        <mc:Fallback>
-          <p:sp>
-            <p:nvSpPr>
-              <p:cNvPr id="6" name="Content Placeholder 2">
-                <a:extLst>
-                  <a:ext uri="{FF2B5EF4-FFF2-40B4-BE49-F238E27FC236}">
-                    <a16:creationId xmlns:a16="http://schemas.microsoft.com/office/drawing/2014/main" id="{CD07974E-1D3A-1FFC-034F-263C6F96CB6E}"/>
-                  </a:ext>
-                </a:extLst>
-              </p:cNvPr>
-              <p:cNvSpPr>
-                <a:spLocks noGrp="1" noRot="1" noChangeAspect="1" noMove="1" noResize="1" noEditPoints="1" noAdjustHandles="1" noChangeArrowheads="1" noChangeShapeType="1" noTextEdit="1"/>
-              </p:cNvSpPr>
-              <p:nvPr>
-                <p:ph idx="1"/>
-              </p:nvPr>
-            </p:nvSpPr>
-            <p:spPr>
-              <a:xfrm>
-                <a:off x="3456123" y="247973"/>
-                <a:ext cx="8482958" cy="6610027"/>
-              </a:xfrm>
-              <a:blipFill>
-                <a:blip r:embed="rId3"/>
-                <a:stretch>
-                  <a:fillRect l="-1196" t="-1344" r="-1046"/>
-                </a:stretch>
-              </a:blipFill>
-            </p:spPr>
-            <p:txBody>
-              <a:bodyPr/>
-              <a:lstStyle/>
-              <a:p>
-                <a:r>
-                  <a:rPr lang="en-US">
-                    <a:noFill/>
-                  </a:rPr>
-                  <a:t> </a:t>
-                </a:r>
-              </a:p>
-            </p:txBody>
-          </p:sp>
-        </mc:Fallback>
-      </mc:AlternateContent>
+      <p:sp>
+        <p:nvSpPr>
+          <p:cNvPr id="6" name="Content Placeholder 2">
+            <a:extLst>
+              <a:ext uri="{FF2B5EF4-FFF2-40B4-BE49-F238E27FC236}">
+                <a16:creationId xmlns:a16="http://schemas.microsoft.com/office/drawing/2014/main" id="{CD07974E-1D3A-1FFC-034F-263C6F96CB6E}"/>
+              </a:ext>
+            </a:extLst>
+          </p:cNvPr>
+          <p:cNvSpPr>
+            <a:spLocks noGrp="1"/>
+          </p:cNvSpPr>
+          <p:nvPr>
+            <p:ph idx="1"/>
+          </p:nvPr>
+        </p:nvSpPr>
+        <p:spPr>
+          <a:xfrm>
+            <a:off x="3456123" y="247973"/>
+            <a:ext cx="8482958" cy="6610027"/>
+          </a:xfrm>
+        </p:spPr>
+        <p:txBody>
+          <a:bodyPr anchor="t">
+            <a:normAutofit/>
+          </a:bodyPr>
+          <a:lstStyle/>
+          <a:p>
+            <a:pPr marL="0" indent="0">
+              <a:buNone/>
+            </a:pPr>
+            <a:r>
+              <a:rPr lang="en-US" sz="2400" dirty="0">
+                <a:solidFill>
+                  <a:schemeClr val="tx1"/>
+                </a:solidFill>
+                <a:latin typeface="Open Sans" panose="020B0606030504020204" pitchFamily="34" charset="0"/>
+              </a:rPr>
+              <a:t>A </a:t>
+            </a:r>
+            <a:r>
+              <a:rPr lang="en-US" sz="2400" b="1" i="1" dirty="0">
+                <a:solidFill>
+                  <a:schemeClr val="tx1"/>
+                </a:solidFill>
+                <a:latin typeface="Open Sans" panose="020B0606030504020204" pitchFamily="34" charset="0"/>
+              </a:rPr>
+              <a:t>permutation</a:t>
+            </a:r>
+            <a:r>
+              <a:rPr lang="en-US" sz="2400" dirty="0">
+                <a:solidFill>
+                  <a:schemeClr val="tx1"/>
+                </a:solidFill>
+                <a:latin typeface="Open Sans" panose="020B0606030504020204" pitchFamily="34" charset="0"/>
+              </a:rPr>
+              <a:t> is a (possible) rearrangement of objects. </a:t>
+            </a:r>
+          </a:p>
+          <a:p>
+            <a:pPr marL="0" indent="0">
+              <a:buNone/>
+            </a:pPr>
+            <a:endParaRPr lang="en-US" sz="2400" dirty="0">
+              <a:solidFill>
+                <a:schemeClr val="tx1"/>
+              </a:solidFill>
+              <a:latin typeface="Open Sans" panose="020B0606030504020204" pitchFamily="34" charset="0"/>
+            </a:endParaRPr>
+          </a:p>
+          <a:p>
+            <a:pPr marL="0" indent="0">
+              <a:buNone/>
+            </a:pPr>
+            <a:r>
+              <a:rPr lang="en-US" sz="2400" dirty="0">
+                <a:solidFill>
+                  <a:schemeClr val="tx1"/>
+                </a:solidFill>
+                <a:latin typeface="Open Sans" panose="020B0606030504020204" pitchFamily="34" charset="0"/>
+              </a:rPr>
+              <a:t>Ex. consider the letters a, b, c</a:t>
+            </a:r>
+          </a:p>
+          <a:p>
+            <a:pPr marL="0" indent="0">
+              <a:buNone/>
+            </a:pPr>
+            <a:endParaRPr lang="en-US" sz="2400" dirty="0">
+              <a:solidFill>
+                <a:schemeClr val="tx1"/>
+              </a:solidFill>
+              <a:latin typeface="Open Sans" panose="020B0606030504020204" pitchFamily="34" charset="0"/>
+            </a:endParaRPr>
+          </a:p>
+          <a:p>
+            <a:pPr marL="0" indent="0">
+              <a:buNone/>
+            </a:pPr>
+            <a:r>
+              <a:rPr lang="en-US" sz="2400" dirty="0">
+                <a:solidFill>
+                  <a:schemeClr val="tx1"/>
+                </a:solidFill>
+                <a:latin typeface="Open Sans" panose="020B0606030504020204" pitchFamily="34" charset="0"/>
+              </a:rPr>
+              <a:t>	There are 6 permutations of these letters:</a:t>
+            </a:r>
+          </a:p>
+          <a:p>
+            <a:pPr marL="0" indent="0">
+              <a:buNone/>
+            </a:pPr>
+            <a:endParaRPr lang="en-US" sz="2400" dirty="0">
+              <a:solidFill>
+                <a:schemeClr val="tx1"/>
+              </a:solidFill>
+              <a:latin typeface="Open Sans" panose="020B0606030504020204" pitchFamily="34" charset="0"/>
+            </a:endParaRPr>
+          </a:p>
+          <a:p>
+            <a:pPr marL="0" indent="0" algn="ctr">
+              <a:buNone/>
+            </a:pPr>
+            <a:r>
+              <a:rPr lang="en-US" sz="2400" dirty="0" err="1">
+                <a:solidFill>
+                  <a:schemeClr val="tx1"/>
+                </a:solidFill>
+                <a:latin typeface="Open Sans" panose="020B0606030504020204" pitchFamily="34" charset="0"/>
+              </a:rPr>
+              <a:t>abc</a:t>
+            </a:r>
+            <a:r>
+              <a:rPr lang="en-US" sz="2400" dirty="0">
+                <a:solidFill>
+                  <a:schemeClr val="tx1"/>
+                </a:solidFill>
+                <a:latin typeface="Open Sans" panose="020B0606030504020204" pitchFamily="34" charset="0"/>
+              </a:rPr>
+              <a:t>, </a:t>
+            </a:r>
+            <a:r>
+              <a:rPr lang="en-US" sz="2400" dirty="0" err="1">
+                <a:solidFill>
+                  <a:schemeClr val="tx1"/>
+                </a:solidFill>
+                <a:latin typeface="Open Sans" panose="020B0606030504020204" pitchFamily="34" charset="0"/>
+              </a:rPr>
+              <a:t>acb</a:t>
+            </a:r>
+            <a:r>
+              <a:rPr lang="en-US" sz="2400" dirty="0">
+                <a:solidFill>
+                  <a:schemeClr val="tx1"/>
+                </a:solidFill>
+                <a:latin typeface="Open Sans" panose="020B0606030504020204" pitchFamily="34" charset="0"/>
+              </a:rPr>
+              <a:t>, bac, </a:t>
+            </a:r>
+            <a:r>
+              <a:rPr lang="en-US" sz="2400" dirty="0" err="1">
+                <a:solidFill>
+                  <a:schemeClr val="tx1"/>
+                </a:solidFill>
+                <a:latin typeface="Open Sans" panose="020B0606030504020204" pitchFamily="34" charset="0"/>
+              </a:rPr>
+              <a:t>bca</a:t>
+            </a:r>
+            <a:r>
+              <a:rPr lang="en-US" sz="2400" dirty="0">
+                <a:solidFill>
+                  <a:schemeClr val="tx1"/>
+                </a:solidFill>
+                <a:latin typeface="Open Sans" panose="020B0606030504020204" pitchFamily="34" charset="0"/>
+              </a:rPr>
+              <a:t>, cab, cba </a:t>
+            </a:r>
+          </a:p>
+          <a:p>
+            <a:pPr marL="0" indent="0">
+              <a:buNone/>
+            </a:pPr>
+            <a:endParaRPr lang="en-US" sz="2400" dirty="0">
+              <a:solidFill>
+                <a:schemeClr val="tx1"/>
+              </a:solidFill>
+              <a:latin typeface="Open Sans" panose="020B0606030504020204" pitchFamily="34" charset="0"/>
+            </a:endParaRPr>
+          </a:p>
+          <a:p>
+            <a:pPr marL="0" indent="0">
+              <a:buNone/>
+            </a:pPr>
+            <a:r>
+              <a:rPr lang="en-US" sz="2400" dirty="0">
+                <a:solidFill>
+                  <a:schemeClr val="tx1"/>
+                </a:solidFill>
+                <a:latin typeface="Open Sans" panose="020B0606030504020204" pitchFamily="34" charset="0"/>
+              </a:rPr>
+              <a:t>	3 choices for the 1</a:t>
+            </a:r>
+            <a:r>
+              <a:rPr lang="en-US" sz="2400" baseline="30000" dirty="0">
+                <a:solidFill>
+                  <a:schemeClr val="tx1"/>
+                </a:solidFill>
+                <a:latin typeface="Open Sans" panose="020B0606030504020204" pitchFamily="34" charset="0"/>
+              </a:rPr>
+              <a:t>st</a:t>
+            </a:r>
+            <a:r>
+              <a:rPr lang="en-US" sz="2400" dirty="0">
+                <a:solidFill>
+                  <a:schemeClr val="tx1"/>
+                </a:solidFill>
+                <a:latin typeface="Open Sans" panose="020B0606030504020204" pitchFamily="34" charset="0"/>
+              </a:rPr>
+              <a:t> letter, 2 for the second, 1 for 	the third: 3*2*1 = 6 </a:t>
+            </a:r>
+          </a:p>
+          <a:p>
+            <a:pPr marL="0" indent="0">
+              <a:buNone/>
+            </a:pPr>
+            <a:endParaRPr lang="en-US" sz="2400" dirty="0">
+              <a:solidFill>
+                <a:schemeClr val="tx1"/>
+              </a:solidFill>
+              <a:latin typeface="Open Sans" panose="020B0606030504020204" pitchFamily="34" charset="0"/>
+            </a:endParaRPr>
+          </a:p>
+          <a:p>
+            <a:pPr marL="0" indent="0">
+              <a:buNone/>
+            </a:pPr>
+            <a:endParaRPr lang="en-US" sz="2400" dirty="0">
+              <a:solidFill>
+                <a:schemeClr val="tx1"/>
+              </a:solidFill>
+              <a:latin typeface="Open Sans" panose="020B0606030504020204" pitchFamily="34" charset="0"/>
+            </a:endParaRPr>
+          </a:p>
+        </p:txBody>
+      </p:sp>
+      <p:sp>
+        <p:nvSpPr>
+          <p:cNvPr id="3" name="Rounded Rectangle 2">
+            <a:extLst>
+              <a:ext uri="{FF2B5EF4-FFF2-40B4-BE49-F238E27FC236}">
+                <a16:creationId xmlns:a16="http://schemas.microsoft.com/office/drawing/2014/main" id="{F05447D2-F80B-C59C-F0BD-A2A77B31FC3D}"/>
+              </a:ext>
+            </a:extLst>
+          </p:cNvPr>
+          <p:cNvSpPr/>
+          <p:nvPr/>
+        </p:nvSpPr>
+        <p:spPr>
+          <a:xfrm>
+            <a:off x="3752192" y="5013435"/>
+            <a:ext cx="8042707" cy="1292772"/>
+          </a:xfrm>
+          <a:prstGeom prst="roundRect">
+            <a:avLst/>
+          </a:prstGeom>
+        </p:spPr>
+        <p:style>
+          <a:lnRef idx="0">
+            <a:schemeClr val="accent5"/>
+          </a:lnRef>
+          <a:fillRef idx="3">
+            <a:schemeClr val="accent5"/>
+          </a:fillRef>
+          <a:effectRef idx="3">
+            <a:schemeClr val="accent5"/>
+          </a:effectRef>
+          <a:fontRef idx="minor">
+            <a:schemeClr val="lt1"/>
+          </a:fontRef>
+        </p:style>
+        <p:txBody>
+          <a:bodyPr rtlCol="0" anchor="t"/>
+          <a:lstStyle/>
+          <a:p>
+            <a:r>
+              <a:rPr lang="en-US" sz="2400" dirty="0">
+                <a:solidFill>
+                  <a:schemeClr val="bg1"/>
+                </a:solidFill>
+                <a:latin typeface="Open Sans" panose="020B0606030504020204" pitchFamily="34" charset="0"/>
+                <a:ea typeface="Open Sans" panose="020B0606030504020204" pitchFamily="34" charset="0"/>
+                <a:cs typeface="Open Sans" panose="020B0606030504020204" pitchFamily="34" charset="0"/>
+              </a:rPr>
+              <a:t>How many permutations are there of a, b, c, d, e, f?</a:t>
+            </a:r>
+          </a:p>
+          <a:p>
+            <a:endParaRPr lang="en-US" sz="2400" dirty="0">
+              <a:solidFill>
+                <a:schemeClr val="bg1"/>
+              </a:solidFill>
+              <a:latin typeface="Open Sans" panose="020B0606030504020204" pitchFamily="34" charset="0"/>
+              <a:ea typeface="Open Sans" panose="020B0606030504020204" pitchFamily="34" charset="0"/>
+              <a:cs typeface="Open Sans" panose="020B0606030504020204" pitchFamily="34" charset="0"/>
+            </a:endParaRPr>
+          </a:p>
+          <a:p>
+            <a:r>
+              <a:rPr lang="en-US" sz="2400" dirty="0">
+                <a:solidFill>
+                  <a:schemeClr val="bg1"/>
+                </a:solidFill>
+                <a:latin typeface="Open Sans" panose="020B0606030504020204" pitchFamily="34" charset="0"/>
+                <a:ea typeface="Open Sans" panose="020B0606030504020204" pitchFamily="34" charset="0"/>
+                <a:cs typeface="Open Sans" panose="020B0606030504020204" pitchFamily="34" charset="0"/>
+              </a:rPr>
+              <a:t>Do you notice a pattern?</a:t>
+            </a:r>
+          </a:p>
+        </p:txBody>
+      </p:sp>
     </p:spTree>
     <p:extLst>
       <p:ext uri="{BB962C8B-B14F-4D97-AF65-F5344CB8AC3E}">
-        <p14:creationId xmlns:p14="http://schemas.microsoft.com/office/powerpoint/2010/main" val="948062686"/>
+        <p14:creationId xmlns:p14="http://schemas.microsoft.com/office/powerpoint/2010/main" val="2986822131"/>
       </p:ext>
     </p:extLst>
   </p:cSld>
